--- a/Documentatie/IoT.pptx
+++ b/Documentatie/IoT.pptx
@@ -5,19 +5,20 @@
     <p:sldMasterId id="2147483648" r:id="rId1"/>
   </p:sldMasterIdLst>
   <p:notesMasterIdLst>
-    <p:notesMasterId r:id="rId12"/>
+    <p:notesMasterId r:id="rId13"/>
   </p:notesMasterIdLst>
   <p:sldIdLst>
     <p:sldId id="256" r:id="rId2"/>
     <p:sldId id="259" r:id="rId3"/>
-    <p:sldId id="257" r:id="rId4"/>
-    <p:sldId id="258" r:id="rId5"/>
-    <p:sldId id="260" r:id="rId6"/>
-    <p:sldId id="261" r:id="rId7"/>
-    <p:sldId id="262" r:id="rId8"/>
-    <p:sldId id="263" r:id="rId9"/>
-    <p:sldId id="265" r:id="rId10"/>
-    <p:sldId id="264" r:id="rId11"/>
+    <p:sldId id="266" r:id="rId4"/>
+    <p:sldId id="257" r:id="rId5"/>
+    <p:sldId id="258" r:id="rId6"/>
+    <p:sldId id="260" r:id="rId7"/>
+    <p:sldId id="261" r:id="rId8"/>
+    <p:sldId id="262" r:id="rId9"/>
+    <p:sldId id="263" r:id="rId10"/>
+    <p:sldId id="265" r:id="rId11"/>
+    <p:sldId id="264" r:id="rId12"/>
   </p:sldIdLst>
   <p:sldSz cx="12192000" cy="6858000"/>
   <p:notesSz cx="6858000" cy="9144000"/>
@@ -116,6 +117,14 @@
       </a:defRPr>
     </a:lvl9pPr>
   </p:defaultTextStyle>
+  <p:extLst>
+    <p:ext uri="{EFAFB233-063F-42B5-8137-9DF3F51BA10A}">
+      <p15:sldGuideLst xmlns:p15="http://schemas.microsoft.com/office/powerpoint/2012/main"/>
+    </p:ext>
+    <p:ext uri="{2D200454-40CA-4A62-9FC3-DE9A4176ACB9}">
+      <p15:notesGuideLst xmlns:p15="http://schemas.microsoft.com/office/powerpoint/2012/main"/>
+    </p:ext>
+  </p:extLst>
 </p:presentation>
 </file>
 
@@ -201,7 +210,7 @@
           <a:p>
             <a:fld id="{BFAEB581-69C0-4BD9-B572-E5771B15A64A}" type="datetimeFigureOut">
               <a:rPr lang="en-GB" smtClean="0"/>
-              <a:t>11/01/2016</a:t>
+              <a:t>12/01/2016</a:t>
             </a:fld>
             <a:endParaRPr lang="en-GB"/>
           </a:p>
@@ -605,6 +614,149 @@
               <a:rPr lang="nl-BE" dirty="0" smtClean="0"/>
               <a:t>Stijn</a:t>
             </a:r>
+            <a:br>
+              <a:rPr lang="nl-BE" dirty="0" smtClean="0"/>
+            </a:br>
+            <a:r>
+              <a:rPr lang="nl-BE" dirty="0" smtClean="0"/>
+              <a:t>De</a:t>
+            </a:r>
+            <a:r>
+              <a:rPr lang="nl-BE" baseline="0" dirty="0" smtClean="0"/>
+              <a:t> opdracht 		</a:t>
+            </a:r>
+          </a:p>
+          <a:p>
+            <a:r>
+              <a:rPr lang="nl-BE" baseline="0" dirty="0" smtClean="0"/>
+              <a:t>	Per lokaal geluidsmetingen doen</a:t>
+            </a:r>
+          </a:p>
+          <a:p>
+            <a:r>
+              <a:rPr lang="nl-BE" baseline="0" dirty="0" smtClean="0"/>
+              <a:t>	</a:t>
+            </a:r>
+            <a:r>
+              <a:rPr lang="nl-BE" baseline="0" dirty="0" err="1" smtClean="0"/>
+              <a:t>Heatmap</a:t>
+            </a:r>
+            <a:r>
+              <a:rPr lang="nl-BE" baseline="0" dirty="0" smtClean="0"/>
+              <a:t> weergeven waar lawaaierig</a:t>
+            </a:r>
+          </a:p>
+          <a:p>
+            <a:endParaRPr lang="nl-BE" baseline="0" dirty="0" smtClean="0"/>
+          </a:p>
+          <a:p>
+            <a:endParaRPr lang="nl-BE" baseline="0" dirty="0" smtClean="0"/>
+          </a:p>
+          <a:p>
+            <a:r>
+              <a:rPr lang="nl-BE" baseline="0" dirty="0" err="1" smtClean="0"/>
+              <a:t>Verwezelijking</a:t>
+            </a:r>
+            <a:r>
+              <a:rPr lang="nl-BE" baseline="0" dirty="0" smtClean="0"/>
+              <a:t>  in Werkelijkheid</a:t>
+            </a:r>
+          </a:p>
+          <a:p>
+            <a:r>
+              <a:rPr lang="nl-BE" baseline="0" dirty="0" smtClean="0"/>
+              <a:t>Per verdiep</a:t>
+            </a:r>
+          </a:p>
+          <a:p>
+            <a:r>
+              <a:rPr lang="nl-BE" baseline="0" dirty="0" smtClean="0"/>
+              <a:t>	Rasp. Pi </a:t>
+            </a:r>
+          </a:p>
+          <a:p>
+            <a:r>
+              <a:rPr lang="nl-BE" baseline="0" dirty="0" smtClean="0"/>
+              <a:t>	via RF24 communiceren naar verschillende </a:t>
+            </a:r>
+            <a:r>
+              <a:rPr lang="nl-BE" baseline="0" dirty="0" err="1" smtClean="0"/>
+              <a:t>arduino’s</a:t>
+            </a:r>
+            <a:endParaRPr lang="nl-BE" baseline="0" dirty="0" smtClean="0"/>
+          </a:p>
+          <a:p>
+            <a:r>
+              <a:rPr lang="nl-BE" baseline="0" dirty="0" smtClean="0"/>
+              <a:t>	via het internet zou dit dan naar de rest </a:t>
+            </a:r>
+            <a:r>
+              <a:rPr lang="nl-BE" baseline="0" dirty="0" err="1" smtClean="0"/>
+              <a:t>Api</a:t>
+            </a:r>
+            <a:r>
+              <a:rPr lang="nl-BE" baseline="0" dirty="0" smtClean="0"/>
+              <a:t> gestuurd worden gestuurd</a:t>
+            </a:r>
+          </a:p>
+          <a:p>
+            <a:r>
+              <a:rPr lang="nl-BE" baseline="0" dirty="0" smtClean="0"/>
+              <a:t>	waar onze backend dan een </a:t>
+            </a:r>
+            <a:r>
+              <a:rPr lang="nl-BE" baseline="0" dirty="0" err="1" smtClean="0"/>
+              <a:t>heatmap</a:t>
+            </a:r>
+            <a:r>
+              <a:rPr lang="nl-BE" baseline="0" dirty="0" smtClean="0"/>
+              <a:t> zal genereren</a:t>
+            </a:r>
+          </a:p>
+          <a:p>
+            <a:endParaRPr lang="nl-BE" baseline="0" dirty="0" smtClean="0"/>
+          </a:p>
+          <a:p>
+            <a:r>
+              <a:rPr lang="nl-BE" baseline="0" dirty="0" smtClean="0"/>
+              <a:t>Per lokaal </a:t>
+            </a:r>
+          </a:p>
+          <a:p>
+            <a:r>
+              <a:rPr lang="nl-BE" baseline="0" dirty="0" smtClean="0"/>
+              <a:t>	</a:t>
+            </a:r>
+            <a:r>
+              <a:rPr lang="nl-BE" baseline="0" dirty="0" err="1" smtClean="0"/>
+              <a:t>arduino</a:t>
+            </a:r>
+            <a:r>
+              <a:rPr lang="nl-BE" baseline="0" dirty="0" smtClean="0"/>
+              <a:t> met </a:t>
+            </a:r>
+            <a:r>
+              <a:rPr lang="nl-BE" baseline="0" dirty="0" err="1" smtClean="0"/>
+              <a:t>mic</a:t>
+            </a:r>
+            <a:r>
+              <a:rPr lang="nl-BE" baseline="0" dirty="0" smtClean="0"/>
+              <a:t> en RF24module</a:t>
+            </a:r>
+          </a:p>
+          <a:p>
+            <a:r>
+              <a:rPr lang="nl-BE" baseline="0" dirty="0" smtClean="0"/>
+              <a:t> 	</a:t>
+            </a:r>
+          </a:p>
+          <a:p>
+            <a:r>
+              <a:rPr lang="nl-BE" baseline="0" dirty="0" smtClean="0"/>
+              <a:t>		</a:t>
+            </a:r>
+          </a:p>
+          <a:p>
             <a:endParaRPr lang="en-GB" dirty="0"/>
           </a:p>
         </p:txBody>
@@ -691,9 +843,120 @@
           <a:p>
             <a:r>
               <a:rPr lang="nl-BE" dirty="0" smtClean="0"/>
-              <a:t>Arne</a:t>
-            </a:r>
-            <a:endParaRPr lang="en-GB" dirty="0"/>
+              <a:t>Stijn</a:t>
+            </a:r>
+            <a:endParaRPr lang="en-GB" dirty="0" smtClean="0"/>
+          </a:p>
+          <a:p>
+            <a:endParaRPr lang="en-GB" dirty="0" smtClean="0"/>
+          </a:p>
+          <a:p>
+            <a:r>
+              <a:rPr lang="en-GB" dirty="0" err="1" smtClean="0"/>
+              <a:t>Labo</a:t>
+            </a:r>
+            <a:r>
+              <a:rPr lang="en-GB" dirty="0" smtClean="0"/>
+              <a:t> </a:t>
+            </a:r>
+            <a:r>
+              <a:rPr lang="en-GB" dirty="0" err="1" smtClean="0"/>
+              <a:t>opstelling</a:t>
+            </a:r>
+            <a:endParaRPr lang="en-GB" dirty="0" smtClean="0"/>
+          </a:p>
+          <a:p>
+            <a:r>
+              <a:rPr lang="en-GB" dirty="0" smtClean="0"/>
+              <a:t>	2arduino’s met RF24 </a:t>
+            </a:r>
+            <a:r>
+              <a:rPr lang="en-GB" dirty="0" err="1" smtClean="0"/>
+              <a:t>en</a:t>
+            </a:r>
+            <a:r>
+              <a:rPr lang="en-GB" dirty="0" smtClean="0"/>
+              <a:t> mic</a:t>
+            </a:r>
+          </a:p>
+          <a:p>
+            <a:r>
+              <a:rPr lang="en-GB" dirty="0" smtClean="0"/>
+              <a:t>	</a:t>
+            </a:r>
+            <a:r>
+              <a:rPr lang="en-GB" dirty="0" err="1" smtClean="0"/>
+              <a:t>comuniceren</a:t>
+            </a:r>
+            <a:r>
+              <a:rPr lang="en-GB" dirty="0" smtClean="0"/>
+              <a:t> met</a:t>
+            </a:r>
+          </a:p>
+          <a:p>
+            <a:r>
+              <a:rPr lang="en-GB" dirty="0" smtClean="0"/>
+              <a:t>	Rasp</a:t>
+            </a:r>
+            <a:r>
+              <a:rPr lang="en-GB" baseline="0" dirty="0" smtClean="0"/>
+              <a:t> pi</a:t>
+            </a:r>
+          </a:p>
+          <a:p>
+            <a:r>
+              <a:rPr lang="en-GB" baseline="0" dirty="0" smtClean="0"/>
+              <a:t>	</a:t>
+            </a:r>
+            <a:r>
+              <a:rPr lang="en-GB" baseline="0" dirty="0" err="1" smtClean="0"/>
+              <a:t>hier</a:t>
+            </a:r>
+            <a:r>
+              <a:rPr lang="en-GB" baseline="0" dirty="0" smtClean="0"/>
+              <a:t> runt </a:t>
+            </a:r>
+            <a:r>
+              <a:rPr lang="en-GB" baseline="0" dirty="0" err="1" smtClean="0"/>
+              <a:t>ook</a:t>
+            </a:r>
+            <a:r>
+              <a:rPr lang="en-GB" baseline="0" dirty="0" smtClean="0"/>
+              <a:t> de backend </a:t>
+            </a:r>
+            <a:r>
+              <a:rPr lang="en-GB" baseline="0" dirty="0" err="1" smtClean="0"/>
+              <a:t>waar</a:t>
+            </a:r>
+            <a:r>
+              <a:rPr lang="en-GB" baseline="0" dirty="0" smtClean="0"/>
+              <a:t> de frontend </a:t>
+            </a:r>
+            <a:r>
+              <a:rPr lang="en-GB" baseline="0" dirty="0" err="1" smtClean="0"/>
+              <a:t>zijn</a:t>
+            </a:r>
+            <a:r>
+              <a:rPr lang="en-GB" baseline="0" dirty="0" smtClean="0"/>
+              <a:t> data </a:t>
+            </a:r>
+            <a:r>
+              <a:rPr lang="en-GB" baseline="0" dirty="0" err="1" smtClean="0"/>
+              <a:t>zal</a:t>
+            </a:r>
+            <a:r>
+              <a:rPr lang="en-GB" baseline="0" dirty="0" smtClean="0"/>
+              <a:t> </a:t>
+            </a:r>
+            <a:r>
+              <a:rPr lang="en-GB" baseline="0" dirty="0" err="1" smtClean="0"/>
+              <a:t>halen</a:t>
+            </a:r>
+            <a:r>
+              <a:rPr lang="en-GB" baseline="0" dirty="0" smtClean="0"/>
+              <a:t> via internet</a:t>
+            </a:r>
+            <a:endParaRPr lang="en-GB" dirty="0" smtClean="0"/>
           </a:p>
         </p:txBody>
       </p:sp>
@@ -723,7 +986,7 @@
     </p:spTree>
     <p:extLst>
       <p:ext uri="{BB962C8B-B14F-4D97-AF65-F5344CB8AC3E}">
-        <p14:creationId xmlns:p14="http://schemas.microsoft.com/office/powerpoint/2010/main" val="110775907"/>
+        <p14:creationId xmlns:p14="http://schemas.microsoft.com/office/powerpoint/2010/main" val="1001370082"/>
       </p:ext>
     </p:extLst>
   </p:cSld>
@@ -779,7 +1042,7 @@
           <a:p>
             <a:r>
               <a:rPr lang="nl-BE" dirty="0" smtClean="0"/>
-              <a:t>Stijn</a:t>
+              <a:t>Arne</a:t>
             </a:r>
             <a:endParaRPr lang="en-GB" dirty="0"/>
           </a:p>
@@ -802,7 +1065,7 @@
           <a:p>
             <a:fld id="{7699FA68-DB62-46A7-B7A2-6899EC356C1C}" type="slidenum">
               <a:rPr lang="en-GB" smtClean="0"/>
-              <a:t>5</a:t>
+              <a:t>4</a:t>
             </a:fld>
             <a:endParaRPr lang="en-GB"/>
           </a:p>
@@ -811,7 +1074,7 @@
     </p:spTree>
     <p:extLst>
       <p:ext uri="{BB962C8B-B14F-4D97-AF65-F5344CB8AC3E}">
-        <p14:creationId xmlns:p14="http://schemas.microsoft.com/office/powerpoint/2010/main" val="2728432096"/>
+        <p14:creationId xmlns:p14="http://schemas.microsoft.com/office/powerpoint/2010/main" val="110775907"/>
       </p:ext>
     </p:extLst>
   </p:cSld>
@@ -867,7 +1130,51 @@
           <a:p>
             <a:r>
               <a:rPr lang="nl-BE" dirty="0" smtClean="0"/>
-              <a:t>Bart</a:t>
+              <a:t>Stijn</a:t>
+            </a:r>
+          </a:p>
+          <a:p>
+            <a:endParaRPr lang="nl-BE" dirty="0" smtClean="0"/>
+          </a:p>
+          <a:p>
+            <a:r>
+              <a:rPr lang="nl-BE" dirty="0" err="1" smtClean="0"/>
+              <a:t>Arduino</a:t>
+            </a:r>
+            <a:endParaRPr lang="nl-BE" dirty="0" smtClean="0"/>
+          </a:p>
+          <a:p>
+            <a:r>
+              <a:rPr lang="nl-BE" dirty="0" smtClean="0"/>
+              <a:t>	sensor</a:t>
+            </a:r>
+            <a:r>
+              <a:rPr lang="nl-BE" baseline="0" dirty="0" smtClean="0"/>
+              <a:t> node</a:t>
+            </a:r>
+          </a:p>
+          <a:p>
+            <a:r>
+              <a:rPr lang="nl-BE" baseline="0" dirty="0" smtClean="0"/>
+              <a:t>	niet meer dan een </a:t>
+            </a:r>
+            <a:r>
+              <a:rPr lang="nl-BE" baseline="0" dirty="0" err="1" smtClean="0"/>
+              <a:t>slave</a:t>
+            </a:r>
+            <a:r>
+              <a:rPr lang="nl-BE" baseline="0" dirty="0" smtClean="0"/>
+              <a:t> in node netwerk</a:t>
+            </a:r>
+          </a:p>
+          <a:p>
+            <a:r>
+              <a:rPr lang="nl-BE" baseline="0" dirty="0" smtClean="0"/>
+              <a:t>	om x aantal tijd data naar </a:t>
+            </a:r>
+            <a:r>
+              <a:rPr lang="nl-BE" baseline="0" smtClean="0"/>
+              <a:t>server sturen</a:t>
             </a:r>
             <a:endParaRPr lang="en-GB" dirty="0"/>
           </a:p>
@@ -890,7 +1197,7 @@
           <a:p>
             <a:fld id="{7699FA68-DB62-46A7-B7A2-6899EC356C1C}" type="slidenum">
               <a:rPr lang="en-GB" smtClean="0"/>
-              <a:t>8</a:t>
+              <a:t>6</a:t>
             </a:fld>
             <a:endParaRPr lang="en-GB"/>
           </a:p>
@@ -899,7 +1206,7 @@
     </p:spTree>
     <p:extLst>
       <p:ext uri="{BB962C8B-B14F-4D97-AF65-F5344CB8AC3E}">
-        <p14:creationId xmlns:p14="http://schemas.microsoft.com/office/powerpoint/2010/main" val="245181706"/>
+        <p14:creationId xmlns:p14="http://schemas.microsoft.com/office/powerpoint/2010/main" val="2728432096"/>
       </p:ext>
     </p:extLst>
   </p:cSld>
@@ -955,7 +1262,7 @@
           <a:p>
             <a:r>
               <a:rPr lang="nl-BE" dirty="0" smtClean="0"/>
-              <a:t>Arne </a:t>
+              <a:t>Bart</a:t>
             </a:r>
             <a:endParaRPr lang="en-GB" dirty="0"/>
           </a:p>
@@ -978,7 +1285,95 @@
           <a:p>
             <a:fld id="{7699FA68-DB62-46A7-B7A2-6899EC356C1C}" type="slidenum">
               <a:rPr lang="en-GB" smtClean="0"/>
-              <a:t>10</a:t>
+              <a:t>9</a:t>
+            </a:fld>
+            <a:endParaRPr lang="en-GB"/>
+          </a:p>
+        </p:txBody>
+      </p:sp>
+    </p:spTree>
+    <p:extLst>
+      <p:ext uri="{BB962C8B-B14F-4D97-AF65-F5344CB8AC3E}">
+        <p14:creationId xmlns:p14="http://schemas.microsoft.com/office/powerpoint/2010/main" val="245181706"/>
+      </p:ext>
+    </p:extLst>
+  </p:cSld>
+  <p:clrMapOvr>
+    <a:masterClrMapping/>
+  </p:clrMapOvr>
+</p:notes>
+</file>
+
+<file path=ppt/notesSlides/notesSlide7.xml><?xml version="1.0" encoding="utf-8"?>
+<p:notes xmlns:a="http://schemas.openxmlformats.org/drawingml/2006/main" xmlns:r="http://schemas.openxmlformats.org/officeDocument/2006/relationships" xmlns:p="http://schemas.openxmlformats.org/presentationml/2006/main">
+  <p:cSld>
+    <p:spTree>
+      <p:nvGrpSpPr>
+        <p:cNvPr id="1" name=""/>
+        <p:cNvGrpSpPr/>
+        <p:nvPr/>
+      </p:nvGrpSpPr>
+      <p:grpSpPr>
+        <a:xfrm>
+          <a:off x="0" y="0"/>
+          <a:ext cx="0" cy="0"/>
+          <a:chOff x="0" y="0"/>
+          <a:chExt cx="0" cy="0"/>
+        </a:xfrm>
+      </p:grpSpPr>
+      <p:sp>
+        <p:nvSpPr>
+          <p:cNvPr id="2" name="Tijdelijke aanduiding voor dia-afbeelding 1"/>
+          <p:cNvSpPr>
+            <a:spLocks noGrp="1" noRot="1" noChangeAspect="1"/>
+          </p:cNvSpPr>
+          <p:nvPr>
+            <p:ph type="sldImg"/>
+          </p:nvPr>
+        </p:nvSpPr>
+        <p:spPr/>
+      </p:sp>
+      <p:sp>
+        <p:nvSpPr>
+          <p:cNvPr id="3" name="Tijdelijke aanduiding voor notities 2"/>
+          <p:cNvSpPr>
+            <a:spLocks noGrp="1"/>
+          </p:cNvSpPr>
+          <p:nvPr>
+            <p:ph type="body" idx="1"/>
+          </p:nvPr>
+        </p:nvSpPr>
+        <p:spPr/>
+        <p:txBody>
+          <a:bodyPr/>
+          <a:lstStyle/>
+          <a:p>
+            <a:r>
+              <a:rPr lang="nl-BE" dirty="0" smtClean="0"/>
+              <a:t>Arne </a:t>
+            </a:r>
+            <a:endParaRPr lang="en-GB" dirty="0"/>
+          </a:p>
+        </p:txBody>
+      </p:sp>
+      <p:sp>
+        <p:nvSpPr>
+          <p:cNvPr id="4" name="Tijdelijke aanduiding voor dianummer 3"/>
+          <p:cNvSpPr>
+            <a:spLocks noGrp="1"/>
+          </p:cNvSpPr>
+          <p:nvPr>
+            <p:ph type="sldNum" sz="quarter" idx="10"/>
+          </p:nvPr>
+        </p:nvSpPr>
+        <p:spPr/>
+        <p:txBody>
+          <a:bodyPr/>
+          <a:lstStyle/>
+          <a:p>
+            <a:fld id="{7699FA68-DB62-46A7-B7A2-6899EC356C1C}" type="slidenum">
+              <a:rPr lang="en-GB" smtClean="0"/>
+              <a:t>11</a:t>
             </a:fld>
             <a:endParaRPr lang="en-GB"/>
           </a:p>
@@ -1285,7 +1680,7 @@
             <a:fld id="{08B9EBBA-996F-894A-B54A-D6246ED52CEA}" type="datetimeFigureOut">
               <a:rPr lang="en-US" dirty="0"/>
               <a:pPr/>
-              <a:t>1/11/2016</a:t>
+              <a:t>1/12/2016</a:t>
             </a:fld>
             <a:endParaRPr lang="en-US" dirty="0"/>
           </a:p>
@@ -1600,7 +1995,7 @@
             <a:fld id="{18C79C5D-2A6F-F04D-97DA-BEF2467B64E4}" type="datetimeFigureOut">
               <a:rPr lang="en-US" dirty="0"/>
               <a:pPr/>
-              <a:t>1/11/2016</a:t>
+              <a:t>1/12/2016</a:t>
             </a:fld>
             <a:endParaRPr lang="en-US" dirty="0"/>
           </a:p>
@@ -2085,7 +2480,7 @@
             <a:fld id="{8DFA1846-DA80-1C48-A609-854EA85C59AD}" type="datetimeFigureOut">
               <a:rPr lang="en-US" dirty="0"/>
               <a:pPr/>
-              <a:t>1/11/2016</a:t>
+              <a:t>1/12/2016</a:t>
             </a:fld>
             <a:endParaRPr lang="en-US" dirty="0"/>
           </a:p>
@@ -2451,7 +2846,7 @@
             <a:fld id="{FBF54567-0DE4-3F47-BF90-CB84690072F9}" type="datetimeFigureOut">
               <a:rPr lang="en-US" dirty="0"/>
               <a:pPr/>
-              <a:t>1/11/2016</a:t>
+              <a:t>1/12/2016</a:t>
             </a:fld>
             <a:endParaRPr lang="en-US" dirty="0"/>
           </a:p>
@@ -2721,7 +3116,7 @@
             <a:fld id="{C6C52C72-DE31-F449-A4ED-4C594FD91407}" type="datetimeFigureOut">
               <a:rPr lang="en-US" dirty="0"/>
               <a:pPr/>
-              <a:t>1/11/2016</a:t>
+              <a:t>1/12/2016</a:t>
             </a:fld>
             <a:endParaRPr lang="en-US" dirty="0"/>
           </a:p>
@@ -3003,7 +3398,7 @@
             <a:fld id="{ED62726E-379B-B349-9EED-81ED093FA806}" type="datetimeFigureOut">
               <a:rPr lang="en-US" dirty="0"/>
               <a:pPr/>
-              <a:t>1/11/2016</a:t>
+              <a:t>1/12/2016</a:t>
             </a:fld>
             <a:endParaRPr lang="en-US" dirty="0"/>
           </a:p>
@@ -3283,7 +3678,7 @@
             <a:fld id="{9B3A1323-8D79-1946-B0D7-40001CF92E9D}" type="datetimeFigureOut">
               <a:rPr lang="en-US" dirty="0"/>
               <a:pPr/>
-              <a:t>1/11/2016</a:t>
+              <a:t>1/12/2016</a:t>
             </a:fld>
             <a:endParaRPr lang="en-US" dirty="0"/>
           </a:p>
@@ -3623,7 +4018,7 @@
             <a:fld id="{8DFA1846-DA80-1C48-A609-854EA85C59AD}" type="datetimeFigureOut">
               <a:rPr lang="en-US" dirty="0"/>
               <a:pPr/>
-              <a:t>1/11/2016</a:t>
+              <a:t>1/12/2016</a:t>
             </a:fld>
             <a:endParaRPr lang="en-US" dirty="0"/>
           </a:p>
@@ -3959,7 +4354,7 @@
             <a:fld id="{57302355-E14B-8545-A8F8-0FE83CC9D524}" type="datetimeFigureOut">
               <a:rPr lang="en-US" dirty="0"/>
               <a:pPr/>
-              <a:t>1/11/2016</a:t>
+              <a:t>1/12/2016</a:t>
             </a:fld>
             <a:endParaRPr lang="en-US" dirty="0"/>
           </a:p>
@@ -4433,7 +4828,7 @@
             <a:fld id="{02640F58-564D-2B4F-AE67-E407BA4FCF45}" type="datetimeFigureOut">
               <a:rPr lang="en-US" dirty="0"/>
               <a:pPr/>
-              <a:t>1/11/2016</a:t>
+              <a:t>1/12/2016</a:t>
             </a:fld>
             <a:endParaRPr lang="en-US" dirty="0"/>
           </a:p>
@@ -4651,7 +5046,7 @@
             <a:fld id="{F13A34C8-038E-2045-AF43-DF7DBB8E0E9E}" type="datetimeFigureOut">
               <a:rPr lang="en-US" dirty="0"/>
               <a:pPr/>
-              <a:t>1/11/2016</a:t>
+              <a:t>1/12/2016</a:t>
             </a:fld>
             <a:endParaRPr lang="en-US" dirty="0"/>
           </a:p>
@@ -4743,7 +5138,7 @@
             <a:fld id="{8818C68F-D26B-8F47-958C-23B49CF8A634}" type="datetimeFigureOut">
               <a:rPr lang="en-US" dirty="0"/>
               <a:pPr/>
-              <a:t>1/11/2016</a:t>
+              <a:t>1/12/2016</a:t>
             </a:fld>
             <a:endParaRPr lang="en-US" dirty="0"/>
           </a:p>
@@ -5207,7 +5602,7 @@
             <a:fld id="{D0DF5E60-9974-AC48-9591-99C2BB44B7CF}" type="datetimeFigureOut">
               <a:rPr lang="en-US" dirty="0"/>
               <a:pPr/>
-              <a:t>1/11/2016</a:t>
+              <a:t>1/12/2016</a:t>
             </a:fld>
             <a:endParaRPr lang="en-US" dirty="0"/>
           </a:p>
@@ -5517,7 +5912,7 @@
             <a:fld id="{18C79C5D-2A6F-F04D-97DA-BEF2467B64E4}" type="datetimeFigureOut">
               <a:rPr lang="en-US" dirty="0"/>
               <a:pPr/>
-              <a:t>1/11/2016</a:t>
+              <a:t>1/12/2016</a:t>
             </a:fld>
             <a:endParaRPr lang="en-US" dirty="0"/>
           </a:p>
@@ -5784,7 +6179,7 @@
             <a:fld id="{09B482E8-6E0E-1B4F-B1FD-C69DB9E858D9}" type="datetimeFigureOut">
               <a:rPr lang="en-US" dirty="0"/>
               <a:pPr/>
-              <a:t>1/11/2016</a:t>
+              <a:t>1/12/2016</a:t>
             </a:fld>
             <a:endParaRPr lang="en-US" dirty="0"/>
           </a:p>
@@ -6334,6 +6729,84 @@
           <a:p>
             <a:r>
               <a:rPr lang="nl-BE" dirty="0" smtClean="0"/>
+              <a:t>Demo</a:t>
+            </a:r>
+            <a:endParaRPr lang="en-GB" dirty="0"/>
+          </a:p>
+        </p:txBody>
+      </p:sp>
+      <p:pic>
+        <p:nvPicPr>
+          <p:cNvPr id="4" name="Tijdelijke aanduiding voor inhoud 3"/>
+          <p:cNvPicPr>
+            <a:picLocks noGrp="1" noChangeAspect="1"/>
+          </p:cNvPicPr>
+          <p:nvPr>
+            <p:ph idx="1"/>
+          </p:nvPr>
+        </p:nvPicPr>
+        <p:blipFill rotWithShape="1">
+          <a:blip r:embed="rId2"/>
+          <a:srcRect l="-1" r="29769" b="21257"/>
+          <a:stretch/>
+        </p:blipFill>
+        <p:spPr>
+          <a:xfrm>
+            <a:off x="3825521" y="2654301"/>
+            <a:ext cx="4540956" cy="2863849"/>
+          </a:xfrm>
+          <a:prstGeom prst="rect">
+            <a:avLst/>
+          </a:prstGeom>
+        </p:spPr>
+      </p:pic>
+    </p:spTree>
+    <p:extLst>
+      <p:ext uri="{BB962C8B-B14F-4D97-AF65-F5344CB8AC3E}">
+        <p14:creationId xmlns:p14="http://schemas.microsoft.com/office/powerpoint/2010/main" val="225492355"/>
+      </p:ext>
+    </p:extLst>
+  </p:cSld>
+  <p:clrMapOvr>
+    <a:masterClrMapping/>
+  </p:clrMapOvr>
+</p:sld>
+</file>
+
+<file path=ppt/slides/slide11.xml><?xml version="1.0" encoding="utf-8"?>
+<p:sld xmlns:a="http://schemas.openxmlformats.org/drawingml/2006/main" xmlns:r="http://schemas.openxmlformats.org/officeDocument/2006/relationships" xmlns:p="http://schemas.openxmlformats.org/presentationml/2006/main">
+  <p:cSld>
+    <p:spTree>
+      <p:nvGrpSpPr>
+        <p:cNvPr id="1" name=""/>
+        <p:cNvGrpSpPr/>
+        <p:nvPr/>
+      </p:nvGrpSpPr>
+      <p:grpSpPr>
+        <a:xfrm>
+          <a:off x="0" y="0"/>
+          <a:ext cx="0" cy="0"/>
+          <a:chOff x="0" y="0"/>
+          <a:chExt cx="0" cy="0"/>
+        </a:xfrm>
+      </p:grpSpPr>
+      <p:sp>
+        <p:nvSpPr>
+          <p:cNvPr id="2" name="Titel 1"/>
+          <p:cNvSpPr>
+            <a:spLocks noGrp="1"/>
+          </p:cNvSpPr>
+          <p:nvPr>
+            <p:ph type="title"/>
+          </p:nvPr>
+        </p:nvSpPr>
+        <p:spPr/>
+        <p:txBody>
+          <a:bodyPr/>
+          <a:lstStyle/>
+          <a:p>
+            <a:r>
+              <a:rPr lang="nl-BE" dirty="0" smtClean="0"/>
               <a:t>Conclusie</a:t>
             </a:r>
             <a:endParaRPr lang="en-GB" dirty="0"/>
@@ -6422,7 +6895,97 @@
           <a:p>
             <a:r>
               <a:rPr lang="nl-BE" dirty="0" smtClean="0"/>
-              <a:t>Architectuur</a:t>
+              <a:t>Architectuur </a:t>
+            </a:r>
+            <a:endParaRPr lang="en-GB" dirty="0"/>
+          </a:p>
+        </p:txBody>
+      </p:sp>
+      <p:pic>
+        <p:nvPicPr>
+          <p:cNvPr id="3" name="Afbeelding 2"/>
+          <p:cNvPicPr>
+            <a:picLocks noChangeAspect="1"/>
+          </p:cNvPicPr>
+          <p:nvPr/>
+        </p:nvPicPr>
+        <p:blipFill>
+          <a:blip r:embed="rId3">
+            <a:extLst>
+              <a:ext uri="{28A0092B-C50C-407E-A947-70E740481C1C}">
+                <a14:useLocalDpi xmlns:a14="http://schemas.microsoft.com/office/drawing/2010/main" val="0"/>
+              </a:ext>
+            </a:extLst>
+          </a:blip>
+          <a:stretch>
+            <a:fillRect/>
+          </a:stretch>
+        </p:blipFill>
+        <p:spPr>
+          <a:xfrm>
+            <a:off x="131522" y="2401911"/>
+            <a:ext cx="11928953" cy="4105360"/>
+          </a:xfrm>
+          <a:prstGeom prst="rect">
+            <a:avLst/>
+          </a:prstGeom>
+        </p:spPr>
+      </p:pic>
+    </p:spTree>
+    <p:extLst>
+      <p:ext uri="{BB962C8B-B14F-4D97-AF65-F5344CB8AC3E}">
+        <p14:creationId xmlns:p14="http://schemas.microsoft.com/office/powerpoint/2010/main" val="3625556295"/>
+      </p:ext>
+    </p:extLst>
+  </p:cSld>
+  <p:clrMapOvr>
+    <a:masterClrMapping/>
+  </p:clrMapOvr>
+  <p:timing>
+    <p:tnLst>
+      <p:par>
+        <p:cTn id="1" dur="indefinite" restart="never" nodeType="tmRoot"/>
+      </p:par>
+    </p:tnLst>
+  </p:timing>
+</p:sld>
+</file>
+
+<file path=ppt/slides/slide3.xml><?xml version="1.0" encoding="utf-8"?>
+<p:sld xmlns:a="http://schemas.openxmlformats.org/drawingml/2006/main" xmlns:r="http://schemas.openxmlformats.org/officeDocument/2006/relationships" xmlns:p="http://schemas.openxmlformats.org/presentationml/2006/main">
+  <p:cSld>
+    <p:spTree>
+      <p:nvGrpSpPr>
+        <p:cNvPr id="1" name=""/>
+        <p:cNvGrpSpPr/>
+        <p:nvPr/>
+      </p:nvGrpSpPr>
+      <p:grpSpPr>
+        <a:xfrm>
+          <a:off x="0" y="0"/>
+          <a:ext cx="0" cy="0"/>
+          <a:chOff x="0" y="0"/>
+          <a:chExt cx="0" cy="0"/>
+        </a:xfrm>
+      </p:grpSpPr>
+      <p:sp>
+        <p:nvSpPr>
+          <p:cNvPr id="2" name="Titel 1"/>
+          <p:cNvSpPr>
+            <a:spLocks noGrp="1"/>
+          </p:cNvSpPr>
+          <p:nvPr>
+            <p:ph type="title"/>
+          </p:nvPr>
+        </p:nvSpPr>
+        <p:spPr/>
+        <p:txBody>
+          <a:bodyPr/>
+          <a:lstStyle/>
+          <a:p>
+            <a:r>
+              <a:rPr lang="nl-BE" dirty="0" smtClean="0"/>
+              <a:t>Architectuur </a:t>
             </a:r>
             <a:endParaRPr lang="en-GB" dirty="0"/>
           </a:p>
@@ -6470,7 +7033,7 @@
     </p:spTree>
     <p:extLst>
       <p:ext uri="{BB962C8B-B14F-4D97-AF65-F5344CB8AC3E}">
-        <p14:creationId xmlns:p14="http://schemas.microsoft.com/office/powerpoint/2010/main" val="3625556295"/>
+        <p14:creationId xmlns:p14="http://schemas.microsoft.com/office/powerpoint/2010/main" val="565607243"/>
       </p:ext>
     </p:extLst>
   </p:cSld>
@@ -6487,7 +7050,7 @@
 </p:sld>
 </file>
 
-<file path=ppt/slides/slide3.xml><?xml version="1.0" encoding="utf-8"?>
+<file path=ppt/slides/slide4.xml><?xml version="1.0" encoding="utf-8"?>
 <p:sld xmlns:a="http://schemas.openxmlformats.org/drawingml/2006/main" xmlns:r="http://schemas.openxmlformats.org/officeDocument/2006/relationships" xmlns:p="http://schemas.openxmlformats.org/presentationml/2006/main">
   <p:cSld>
     <p:spTree>
@@ -6615,86 +7178,6 @@
 </p:sld>
 </file>
 
-<file path=ppt/slides/slide4.xml><?xml version="1.0" encoding="utf-8"?>
-<p:sld xmlns:a="http://schemas.openxmlformats.org/drawingml/2006/main" xmlns:r="http://schemas.openxmlformats.org/officeDocument/2006/relationships" xmlns:p="http://schemas.openxmlformats.org/presentationml/2006/main">
-  <p:cSld>
-    <p:spTree>
-      <p:nvGrpSpPr>
-        <p:cNvPr id="1" name=""/>
-        <p:cNvGrpSpPr/>
-        <p:nvPr/>
-      </p:nvGrpSpPr>
-      <p:grpSpPr>
-        <a:xfrm>
-          <a:off x="0" y="0"/>
-          <a:ext cx="0" cy="0"/>
-          <a:chOff x="0" y="0"/>
-          <a:chExt cx="0" cy="0"/>
-        </a:xfrm>
-      </p:grpSpPr>
-      <p:sp>
-        <p:nvSpPr>
-          <p:cNvPr id="2" name="Titel 1"/>
-          <p:cNvSpPr>
-            <a:spLocks noGrp="1"/>
-          </p:cNvSpPr>
-          <p:nvPr>
-            <p:ph type="title"/>
-          </p:nvPr>
-        </p:nvSpPr>
-        <p:spPr/>
-        <p:txBody>
-          <a:bodyPr/>
-          <a:lstStyle/>
-          <a:p>
-            <a:r>
-              <a:rPr lang="nl-BE" dirty="0" err="1" smtClean="0"/>
-              <a:t>Meshnetwerk</a:t>
-            </a:r>
-            <a:endParaRPr lang="en-GB" dirty="0"/>
-          </a:p>
-        </p:txBody>
-      </p:sp>
-      <p:sp>
-        <p:nvSpPr>
-          <p:cNvPr id="3" name="Tijdelijke aanduiding voor inhoud 2"/>
-          <p:cNvSpPr>
-            <a:spLocks noGrp="1"/>
-          </p:cNvSpPr>
-          <p:nvPr>
-            <p:ph idx="1"/>
-          </p:nvPr>
-        </p:nvSpPr>
-        <p:spPr/>
-        <p:txBody>
-          <a:bodyPr/>
-          <a:lstStyle/>
-          <a:p>
-            <a:r>
-              <a:rPr lang="nl-BE" dirty="0" smtClean="0"/>
-              <a:t>RF24 zever </a:t>
-            </a:r>
-            <a:r>
-              <a:rPr lang="nl-BE" dirty="0" err="1" smtClean="0"/>
-              <a:t>gezer</a:t>
-            </a:r>
-            <a:endParaRPr lang="en-GB" dirty="0"/>
-          </a:p>
-        </p:txBody>
-      </p:sp>
-    </p:spTree>
-    <p:extLst>
-      <p:ext uri="{BB962C8B-B14F-4D97-AF65-F5344CB8AC3E}">
-        <p14:creationId xmlns:p14="http://schemas.microsoft.com/office/powerpoint/2010/main" val="2795021543"/>
-      </p:ext>
-    </p:extLst>
-  </p:cSld>
-  <p:clrMapOvr>
-    <a:masterClrMapping/>
-  </p:clrMapOvr>
-</p:sld>
-</file>
-
 <file path=ppt/slides/slide5.xml><?xml version="1.0" encoding="utf-8"?>
 <p:sld xmlns:a="http://schemas.openxmlformats.org/drawingml/2006/main" xmlns:r="http://schemas.openxmlformats.org/officeDocument/2006/relationships" xmlns:p="http://schemas.openxmlformats.org/presentationml/2006/main">
   <p:cSld>
@@ -6728,28 +7211,36 @@
           <a:lstStyle/>
           <a:p>
             <a:r>
+              <a:rPr lang="nl-BE" dirty="0" err="1" smtClean="0"/>
+              <a:t>Meshnetwerk</a:t>
+            </a:r>
+            <a:endParaRPr lang="en-GB" dirty="0"/>
+          </a:p>
+        </p:txBody>
+      </p:sp>
+      <p:sp>
+        <p:nvSpPr>
+          <p:cNvPr id="3" name="Tijdelijke aanduiding voor inhoud 2"/>
+          <p:cNvSpPr>
+            <a:spLocks noGrp="1"/>
+          </p:cNvSpPr>
+          <p:nvPr>
+            <p:ph idx="1"/>
+          </p:nvPr>
+        </p:nvSpPr>
+        <p:spPr/>
+        <p:txBody>
+          <a:bodyPr/>
+          <a:lstStyle/>
+          <a:p>
+            <a:r>
               <a:rPr lang="nl-BE" dirty="0" smtClean="0"/>
-              <a:t>Arduino</a:t>
-            </a:r>
-            <a:endParaRPr lang="en-GB" dirty="0"/>
-          </a:p>
-        </p:txBody>
-      </p:sp>
-      <p:sp>
-        <p:nvSpPr>
-          <p:cNvPr id="3" name="Tijdelijke aanduiding voor inhoud 2"/>
-          <p:cNvSpPr>
-            <a:spLocks noGrp="1"/>
-          </p:cNvSpPr>
-          <p:nvPr>
-            <p:ph idx="1"/>
-          </p:nvPr>
-        </p:nvSpPr>
-        <p:spPr/>
-        <p:txBody>
-          <a:bodyPr/>
-          <a:lstStyle/>
-          <a:p>
+              <a:t>RF24 zever </a:t>
+            </a:r>
+            <a:r>
+              <a:rPr lang="nl-BE" dirty="0" err="1" smtClean="0"/>
+              <a:t>gezer</a:t>
+            </a:r>
             <a:endParaRPr lang="en-GB" dirty="0"/>
           </a:p>
         </p:txBody>
@@ -6757,7 +7248,7 @@
     </p:spTree>
     <p:extLst>
       <p:ext uri="{BB962C8B-B14F-4D97-AF65-F5344CB8AC3E}">
-        <p14:creationId xmlns:p14="http://schemas.microsoft.com/office/powerpoint/2010/main" val="2522053185"/>
+        <p14:creationId xmlns:p14="http://schemas.microsoft.com/office/powerpoint/2010/main" val="2795021543"/>
       </p:ext>
     </p:extLst>
   </p:cSld>
@@ -6801,15 +7292,7 @@
           <a:p>
             <a:r>
               <a:rPr lang="nl-BE" dirty="0" smtClean="0"/>
-              <a:t>	</a:t>
-            </a:r>
-            <a:r>
-              <a:rPr lang="nl-BE" dirty="0" err="1" smtClean="0"/>
-              <a:t>Raspberry</a:t>
-            </a:r>
-            <a:r>
-              <a:rPr lang="nl-BE" dirty="0" smtClean="0"/>
-              <a:t> Pi 2</a:t>
+              <a:t>Arduino</a:t>
             </a:r>
             <a:endParaRPr lang="en-GB" dirty="0"/>
           </a:p>
@@ -6830,14 +7313,14 @@
           <a:bodyPr/>
           <a:lstStyle/>
           <a:p>
-            <a:endParaRPr lang="en-GB"/>
+            <a:endParaRPr lang="en-GB" dirty="0"/>
           </a:p>
         </p:txBody>
       </p:sp>
     </p:spTree>
     <p:extLst>
       <p:ext uri="{BB962C8B-B14F-4D97-AF65-F5344CB8AC3E}">
-        <p14:creationId xmlns:p14="http://schemas.microsoft.com/office/powerpoint/2010/main" val="3263878315"/>
+        <p14:creationId xmlns:p14="http://schemas.microsoft.com/office/powerpoint/2010/main" val="2522053185"/>
       </p:ext>
     </p:extLst>
   </p:cSld>
@@ -6881,7 +7364,15 @@
           <a:p>
             <a:r>
               <a:rPr lang="nl-BE" dirty="0" smtClean="0"/>
-              <a:t>Node Red</a:t>
+              <a:t>	</a:t>
+            </a:r>
+            <a:r>
+              <a:rPr lang="nl-BE" dirty="0" err="1" smtClean="0"/>
+              <a:t>Raspberry</a:t>
+            </a:r>
+            <a:r>
+              <a:rPr lang="nl-BE" dirty="0" smtClean="0"/>
+              <a:t> Pi 2</a:t>
             </a:r>
             <a:endParaRPr lang="en-GB" dirty="0"/>
           </a:p>
@@ -6909,7 +7400,7 @@
     </p:spTree>
     <p:extLst>
       <p:ext uri="{BB962C8B-B14F-4D97-AF65-F5344CB8AC3E}">
-        <p14:creationId xmlns:p14="http://schemas.microsoft.com/office/powerpoint/2010/main" val="2760293753"/>
+        <p14:creationId xmlns:p14="http://schemas.microsoft.com/office/powerpoint/2010/main" val="3263878315"/>
       </p:ext>
     </p:extLst>
   </p:cSld>
@@ -6953,7 +7444,7 @@
           <a:p>
             <a:r>
               <a:rPr lang="nl-BE" dirty="0" smtClean="0"/>
-              <a:t>Front - End</a:t>
+              <a:t>Node Red</a:t>
             </a:r>
             <a:endParaRPr lang="en-GB" dirty="0"/>
           </a:p>
@@ -6974,31 +7465,14 @@
           <a:bodyPr/>
           <a:lstStyle/>
           <a:p>
-            <a:r>
-              <a:rPr lang="nl-BE" dirty="0" err="1" smtClean="0"/>
-              <a:t>Heatmap</a:t>
-            </a:r>
-            <a:endParaRPr lang="nl-BE" dirty="0" smtClean="0"/>
-          </a:p>
-          <a:p>
-            <a:r>
-              <a:rPr lang="nl-BE" dirty="0" smtClean="0"/>
-              <a:t>Javascript Library</a:t>
-            </a:r>
-          </a:p>
-          <a:p>
-            <a:r>
-              <a:rPr lang="nl-BE" dirty="0" smtClean="0"/>
-              <a:t>AJAX (JSONP)</a:t>
-            </a:r>
-            <a:endParaRPr lang="en-GB" dirty="0"/>
+            <a:endParaRPr lang="en-GB"/>
           </a:p>
         </p:txBody>
       </p:sp>
     </p:spTree>
     <p:extLst>
       <p:ext uri="{BB962C8B-B14F-4D97-AF65-F5344CB8AC3E}">
-        <p14:creationId xmlns:p14="http://schemas.microsoft.com/office/powerpoint/2010/main" val="3466722368"/>
+        <p14:creationId xmlns:p14="http://schemas.microsoft.com/office/powerpoint/2010/main" val="2760293753"/>
       </p:ext>
     </p:extLst>
   </p:cSld>
@@ -7042,41 +7516,52 @@
           <a:p>
             <a:r>
               <a:rPr lang="nl-BE" dirty="0" smtClean="0"/>
-              <a:t>Demo</a:t>
+              <a:t>Front - End</a:t>
             </a:r>
             <a:endParaRPr lang="en-GB" dirty="0"/>
           </a:p>
         </p:txBody>
       </p:sp>
-      <p:pic>
-        <p:nvPicPr>
-          <p:cNvPr id="4" name="Tijdelijke aanduiding voor inhoud 3"/>
-          <p:cNvPicPr>
-            <a:picLocks noGrp="1" noChangeAspect="1"/>
-          </p:cNvPicPr>
+      <p:sp>
+        <p:nvSpPr>
+          <p:cNvPr id="3" name="Tijdelijke aanduiding voor inhoud 2"/>
+          <p:cNvSpPr>
+            <a:spLocks noGrp="1"/>
+          </p:cNvSpPr>
           <p:nvPr>
             <p:ph idx="1"/>
           </p:nvPr>
-        </p:nvPicPr>
-        <p:blipFill rotWithShape="1">
-          <a:blip r:embed="rId2"/>
-          <a:srcRect l="-1" r="29769" b="21257"/>
-          <a:stretch/>
-        </p:blipFill>
-        <p:spPr>
-          <a:xfrm>
-            <a:off x="3825521" y="2654301"/>
-            <a:ext cx="4540956" cy="2863849"/>
-          </a:xfrm>
-          <a:prstGeom prst="rect">
-            <a:avLst/>
-          </a:prstGeom>
-        </p:spPr>
-      </p:pic>
+        </p:nvSpPr>
+        <p:spPr/>
+        <p:txBody>
+          <a:bodyPr/>
+          <a:lstStyle/>
+          <a:p>
+            <a:r>
+              <a:rPr lang="nl-BE" dirty="0" err="1" smtClean="0"/>
+              <a:t>Heatmap</a:t>
+            </a:r>
+            <a:endParaRPr lang="nl-BE" dirty="0" smtClean="0"/>
+          </a:p>
+          <a:p>
+            <a:r>
+              <a:rPr lang="nl-BE" dirty="0" smtClean="0"/>
+              <a:t>Javascript Library</a:t>
+            </a:r>
+          </a:p>
+          <a:p>
+            <a:r>
+              <a:rPr lang="nl-BE" dirty="0" smtClean="0"/>
+              <a:t>AJAX (JSONP)</a:t>
+            </a:r>
+            <a:endParaRPr lang="en-GB" dirty="0"/>
+          </a:p>
+        </p:txBody>
+      </p:sp>
     </p:spTree>
     <p:extLst>
       <p:ext uri="{BB962C8B-B14F-4D97-AF65-F5344CB8AC3E}">
-        <p14:creationId xmlns:p14="http://schemas.microsoft.com/office/powerpoint/2010/main" val="225492355"/>
+        <p14:creationId xmlns:p14="http://schemas.microsoft.com/office/powerpoint/2010/main" val="3466722368"/>
       </p:ext>
     </p:extLst>
   </p:cSld>

--- a/Documentatie/IoT.pptx
+++ b/Documentatie/IoT.pptx
@@ -1174,7 +1174,7 @@
             </a:r>
             <a:r>
               <a:rPr lang="nl-BE" baseline="0" smtClean="0"/>
-              <a:t>server sturen</a:t>
+              <a:t>master sturen</a:t>
             </a:r>
             <a:endParaRPr lang="en-GB" dirty="0"/>
           </a:p>
@@ -1487,7 +1487,7 @@
           <a:effectLst/>
           <a:extLst>
             <a:ext uri="{91240B29-F687-4f45-9708-019B960494DF}">
-              <a14:hiddenLine xmlns:a14="http://schemas.microsoft.com/office/drawing/2010/main" xmlns="" w="9525">
+              <a14:hiddenLine xmlns="" xmlns:a14="http://schemas.microsoft.com/office/drawing/2010/main" w="9525">
                 <a:solidFill>
                   <a:srgbClr val="000000"/>
                 </a:solidFill>
@@ -2997,7 +2997,7 @@
           <a:ln/>
           <a:extLst>
             <a:ext uri="{91240B29-F687-4f45-9708-019B960494DF}">
-              <a14:hiddenLine xmlns:a14="http://schemas.microsoft.com/office/drawing/2010/main" xmlns="" w="9525">
+              <a14:hiddenLine xmlns="" xmlns:a14="http://schemas.microsoft.com/office/drawing/2010/main" w="9525">
                 <a:solidFill>
                   <a:srgbClr val="000000"/>
                 </a:solidFill>
@@ -3269,7 +3269,7 @@
           <a:ln/>
           <a:extLst>
             <a:ext uri="{91240B29-F687-4f45-9708-019B960494DF}">
-              <a14:hiddenLine xmlns:a14="http://schemas.microsoft.com/office/drawing/2010/main" xmlns="" w="9525">
+              <a14:hiddenLine xmlns="" xmlns:a14="http://schemas.microsoft.com/office/drawing/2010/main" w="9525">
                 <a:solidFill>
                   <a:srgbClr val="000000"/>
                 </a:solidFill>
@@ -3549,7 +3549,7 @@
           <a:ln/>
           <a:extLst>
             <a:ext uri="{91240B29-F687-4f45-9708-019B960494DF}">
-              <a14:hiddenLine xmlns:a14="http://schemas.microsoft.com/office/drawing/2010/main" xmlns="" w="9525">
+              <a14:hiddenLine xmlns="" xmlns:a14="http://schemas.microsoft.com/office/drawing/2010/main" w="9525">
                 <a:solidFill>
                   <a:srgbClr val="000000"/>
                 </a:solidFill>
@@ -4169,7 +4169,7 @@
           <a:ln/>
           <a:extLst>
             <a:ext uri="{91240B29-F687-4f45-9708-019B960494DF}">
-              <a14:hiddenLine xmlns:a14="http://schemas.microsoft.com/office/drawing/2010/main" xmlns="" w="9525">
+              <a14:hiddenLine xmlns="" xmlns:a14="http://schemas.microsoft.com/office/drawing/2010/main" w="9525">
                 <a:solidFill>
                   <a:srgbClr val="000000"/>
                 </a:solidFill>
@@ -4505,7 +4505,7 @@
           <a:ln/>
           <a:extLst>
             <a:ext uri="{91240B29-F687-4f45-9708-019B960494DF}">
-              <a14:hiddenLine xmlns:a14="http://schemas.microsoft.com/office/drawing/2010/main" xmlns="" w="9525">
+              <a14:hiddenLine xmlns="" xmlns:a14="http://schemas.microsoft.com/office/drawing/2010/main" w="9525">
                 <a:solidFill>
                   <a:srgbClr val="000000"/>
                 </a:solidFill>
@@ -4979,7 +4979,7 @@
           <a:ln/>
           <a:extLst>
             <a:ext uri="{91240B29-F687-4f45-9708-019B960494DF}">
-              <a14:hiddenLine xmlns:a14="http://schemas.microsoft.com/office/drawing/2010/main" xmlns="" w="9525">
+              <a14:hiddenLine xmlns="" xmlns:a14="http://schemas.microsoft.com/office/drawing/2010/main" w="9525">
                 <a:solidFill>
                   <a:srgbClr val="000000"/>
                 </a:solidFill>
@@ -5402,7 +5402,7 @@
           <a:ln/>
           <a:extLst>
             <a:ext uri="{91240B29-F687-4f45-9708-019B960494DF}">
-              <a14:hiddenLine xmlns:a14="http://schemas.microsoft.com/office/drawing/2010/main" xmlns="" w="9525">
+              <a14:hiddenLine xmlns="" xmlns:a14="http://schemas.microsoft.com/office/drawing/2010/main" w="9525">
                 <a:solidFill>
                   <a:srgbClr val="000000"/>
                 </a:solidFill>

--- a/Documentatie/IoT.pptx
+++ b/Documentatie/IoT.pptx
@@ -566,6 +566,178 @@
 </p:notes>
 </file>
 
+<file path=ppt/notesSlides/notesSlide10.xml><?xml version="1.0" encoding="utf-8"?>
+<p:notes xmlns:a="http://schemas.openxmlformats.org/drawingml/2006/main" xmlns:r="http://schemas.openxmlformats.org/officeDocument/2006/relationships" xmlns:p="http://schemas.openxmlformats.org/presentationml/2006/main">
+  <p:cSld>
+    <p:spTree>
+      <p:nvGrpSpPr>
+        <p:cNvPr id="1" name=""/>
+        <p:cNvGrpSpPr/>
+        <p:nvPr/>
+      </p:nvGrpSpPr>
+      <p:grpSpPr>
+        <a:xfrm>
+          <a:off x="0" y="0"/>
+          <a:ext cx="0" cy="0"/>
+          <a:chOff x="0" y="0"/>
+          <a:chExt cx="0" cy="0"/>
+        </a:xfrm>
+      </p:grpSpPr>
+      <p:sp>
+        <p:nvSpPr>
+          <p:cNvPr id="2" name="Tijdelijke aanduiding voor dia-afbeelding 1"/>
+          <p:cNvSpPr>
+            <a:spLocks noGrp="1" noRot="1" noChangeAspect="1"/>
+          </p:cNvSpPr>
+          <p:nvPr>
+            <p:ph type="sldImg"/>
+          </p:nvPr>
+        </p:nvSpPr>
+        <p:spPr/>
+      </p:sp>
+      <p:sp>
+        <p:nvSpPr>
+          <p:cNvPr id="3" name="Tijdelijke aanduiding voor notities 2"/>
+          <p:cNvSpPr>
+            <a:spLocks noGrp="1"/>
+          </p:cNvSpPr>
+          <p:nvPr>
+            <p:ph type="body" idx="1"/>
+          </p:nvPr>
+        </p:nvSpPr>
+        <p:spPr/>
+        <p:txBody>
+          <a:bodyPr/>
+          <a:lstStyle/>
+          <a:p>
+            <a:endParaRPr lang="en-GB" dirty="0"/>
+          </a:p>
+        </p:txBody>
+      </p:sp>
+      <p:sp>
+        <p:nvSpPr>
+          <p:cNvPr id="4" name="Tijdelijke aanduiding voor dianummer 3"/>
+          <p:cNvSpPr>
+            <a:spLocks noGrp="1"/>
+          </p:cNvSpPr>
+          <p:nvPr>
+            <p:ph type="sldNum" sz="quarter" idx="10"/>
+          </p:nvPr>
+        </p:nvSpPr>
+        <p:spPr/>
+        <p:txBody>
+          <a:bodyPr/>
+          <a:lstStyle/>
+          <a:p>
+            <a:fld id="{7699FA68-DB62-46A7-B7A2-6899EC356C1C}" type="slidenum">
+              <a:rPr lang="en-GB" smtClean="0"/>
+              <a:t>10</a:t>
+            </a:fld>
+            <a:endParaRPr lang="en-GB"/>
+          </a:p>
+        </p:txBody>
+      </p:sp>
+    </p:spTree>
+    <p:extLst>
+      <p:ext uri="{BB962C8B-B14F-4D97-AF65-F5344CB8AC3E}">
+        <p14:creationId xmlns:p14="http://schemas.microsoft.com/office/powerpoint/2010/main" val="4208299265"/>
+      </p:ext>
+    </p:extLst>
+  </p:cSld>
+  <p:clrMapOvr>
+    <a:masterClrMapping/>
+  </p:clrMapOvr>
+</p:notes>
+</file>
+
+<file path=ppt/notesSlides/notesSlide11.xml><?xml version="1.0" encoding="utf-8"?>
+<p:notes xmlns:a="http://schemas.openxmlformats.org/drawingml/2006/main" xmlns:r="http://schemas.openxmlformats.org/officeDocument/2006/relationships" xmlns:p="http://schemas.openxmlformats.org/presentationml/2006/main">
+  <p:cSld>
+    <p:spTree>
+      <p:nvGrpSpPr>
+        <p:cNvPr id="1" name=""/>
+        <p:cNvGrpSpPr/>
+        <p:nvPr/>
+      </p:nvGrpSpPr>
+      <p:grpSpPr>
+        <a:xfrm>
+          <a:off x="0" y="0"/>
+          <a:ext cx="0" cy="0"/>
+          <a:chOff x="0" y="0"/>
+          <a:chExt cx="0" cy="0"/>
+        </a:xfrm>
+      </p:grpSpPr>
+      <p:sp>
+        <p:nvSpPr>
+          <p:cNvPr id="2" name="Tijdelijke aanduiding voor dia-afbeelding 1"/>
+          <p:cNvSpPr>
+            <a:spLocks noGrp="1" noRot="1" noChangeAspect="1"/>
+          </p:cNvSpPr>
+          <p:nvPr>
+            <p:ph type="sldImg"/>
+          </p:nvPr>
+        </p:nvSpPr>
+        <p:spPr/>
+      </p:sp>
+      <p:sp>
+        <p:nvSpPr>
+          <p:cNvPr id="3" name="Tijdelijke aanduiding voor notities 2"/>
+          <p:cNvSpPr>
+            <a:spLocks noGrp="1"/>
+          </p:cNvSpPr>
+          <p:nvPr>
+            <p:ph type="body" idx="1"/>
+          </p:nvPr>
+        </p:nvSpPr>
+        <p:spPr/>
+        <p:txBody>
+          <a:bodyPr/>
+          <a:lstStyle/>
+          <a:p>
+            <a:r>
+              <a:rPr lang="nl-BE" dirty="0" smtClean="0"/>
+              <a:t>Arne </a:t>
+            </a:r>
+            <a:endParaRPr lang="en-GB" dirty="0"/>
+          </a:p>
+        </p:txBody>
+      </p:sp>
+      <p:sp>
+        <p:nvSpPr>
+          <p:cNvPr id="4" name="Tijdelijke aanduiding voor dianummer 3"/>
+          <p:cNvSpPr>
+            <a:spLocks noGrp="1"/>
+          </p:cNvSpPr>
+          <p:nvPr>
+            <p:ph type="sldNum" sz="quarter" idx="10"/>
+          </p:nvPr>
+        </p:nvSpPr>
+        <p:spPr/>
+        <p:txBody>
+          <a:bodyPr/>
+          <a:lstStyle/>
+          <a:p>
+            <a:fld id="{7699FA68-DB62-46A7-B7A2-6899EC356C1C}" type="slidenum">
+              <a:rPr lang="en-GB" smtClean="0"/>
+              <a:t>11</a:t>
+            </a:fld>
+            <a:endParaRPr lang="en-GB"/>
+          </a:p>
+        </p:txBody>
+      </p:sp>
+    </p:spTree>
+    <p:extLst>
+      <p:ext uri="{BB962C8B-B14F-4D97-AF65-F5344CB8AC3E}">
+        <p14:creationId xmlns:p14="http://schemas.microsoft.com/office/powerpoint/2010/main" val="4240462060"/>
+      </p:ext>
+    </p:extLst>
+  </p:cSld>
+  <p:clrMapOvr>
+    <a:masterClrMapping/>
+  </p:clrMapOvr>
+</p:notes>
+</file>
+
 <file path=ppt/notesSlides/notesSlide2.xml><?xml version="1.0" encoding="utf-8"?>
 <p:notes xmlns:a="http://schemas.openxmlformats.org/drawingml/2006/main" xmlns:r="http://schemas.openxmlformats.org/officeDocument/2006/relationships" xmlns:p="http://schemas.openxmlformats.org/presentationml/2006/main">
   <p:cSld>
@@ -1130,7 +1302,47 @@
           <a:p>
             <a:r>
               <a:rPr lang="nl-BE" dirty="0" smtClean="0"/>
-              <a:t>Stijn</a:t>
+              <a:t>Veel</a:t>
+            </a:r>
+            <a:r>
+              <a:rPr lang="nl-BE" baseline="0" dirty="0" smtClean="0"/>
+              <a:t> tijd gestoken in het vinden van het juiste draadloze protocol!</a:t>
+            </a:r>
+          </a:p>
+          <a:p>
+            <a:endParaRPr lang="nl-BE" baseline="0" dirty="0" smtClean="0"/>
+          </a:p>
+          <a:p>
+            <a:r>
+              <a:rPr lang="nl-BE" baseline="0" dirty="0" err="1" smtClean="0"/>
+              <a:t>Zigbee</a:t>
+            </a:r>
+            <a:r>
+              <a:rPr lang="nl-BE" baseline="0" dirty="0" smtClean="0"/>
+              <a:t> 	=&gt; Problemen met (standalone) analoog samplen</a:t>
+            </a:r>
+            <a:br>
+              <a:rPr lang="nl-BE" baseline="0" dirty="0" smtClean="0"/>
+            </a:br>
+            <a:r>
+              <a:rPr lang="nl-BE" baseline="0" dirty="0" smtClean="0"/>
+              <a:t>	=&gt; Verkeerde </a:t>
+            </a:r>
+            <a:r>
+              <a:rPr lang="nl-BE" baseline="0" dirty="0" err="1" smtClean="0"/>
+              <a:t>Zigbee’s</a:t>
+            </a:r>
+            <a:r>
+              <a:rPr lang="nl-BE" baseline="0" dirty="0" smtClean="0"/>
+              <a:t> hadden voor ons idee (S1 </a:t>
+            </a:r>
+            <a:r>
+              <a:rPr lang="nl-BE" baseline="0" dirty="0" err="1" smtClean="0"/>
+              <a:t>vs</a:t>
+            </a:r>
+            <a:r>
+              <a:rPr lang="nl-BE" baseline="0" dirty="0" smtClean="0"/>
+              <a:t> S2)</a:t>
             </a:r>
           </a:p>
           <a:p>
@@ -1138,43 +1350,41 @@
           </a:p>
           <a:p>
             <a:r>
-              <a:rPr lang="nl-BE" dirty="0" err="1" smtClean="0"/>
-              <a:t>Arduino</a:t>
-            </a:r>
-            <a:endParaRPr lang="nl-BE" dirty="0" smtClean="0"/>
+              <a:rPr lang="en-GB" dirty="0" smtClean="0"/>
+              <a:t>nRF24L01	=&gt; RF</a:t>
+            </a:r>
           </a:p>
           <a:p>
             <a:r>
               <a:rPr lang="nl-BE" dirty="0" smtClean="0"/>
-              <a:t>	sensor</a:t>
+              <a:t>	=&gt;</a:t>
             </a:r>
             <a:r>
               <a:rPr lang="nl-BE" baseline="0" dirty="0" smtClean="0"/>
-              <a:t> node</a:t>
-            </a:r>
-          </a:p>
-          <a:p>
+              <a:t> Problemen (time </a:t>
+            </a:r>
+            <a:r>
+              <a:rPr lang="nl-BE" baseline="0" dirty="0" err="1" smtClean="0"/>
+              <a:t>slots</a:t>
+            </a:r>
             <a:r>
               <a:rPr lang="nl-BE" baseline="0" dirty="0" smtClean="0"/>
-              <a:t>	niet meer dan een </a:t>
-            </a:r>
-            <a:r>
-              <a:rPr lang="nl-BE" baseline="0" dirty="0" err="1" smtClean="0"/>
-              <a:t>slave</a:t>
-            </a:r>
+              <a:t>, …)</a:t>
+            </a:r>
+          </a:p>
+          <a:p>
             <a:r>
               <a:rPr lang="nl-BE" baseline="0" dirty="0" smtClean="0"/>
-              <a:t> in node netwerk</a:t>
-            </a:r>
+              <a:t>	=&gt; Oplossing RF24</a:t>
+            </a:r>
+          </a:p>
+          <a:p>
+            <a:endParaRPr lang="nl-BE" baseline="0" dirty="0" smtClean="0"/>
           </a:p>
           <a:p>
             <a:r>
               <a:rPr lang="nl-BE" baseline="0" dirty="0" smtClean="0"/>
-              <a:t>	om x aantal tijd data naar </a:t>
-            </a:r>
-            <a:r>
-              <a:rPr lang="nl-BE" baseline="0" smtClean="0"/>
-              <a:t>master sturen</a:t>
+              <a:t>RF24	=&gt; Plus andere bibliotheken =&gt; OSI netwerk</a:t>
             </a:r>
             <a:endParaRPr lang="en-GB" dirty="0"/>
           </a:p>
@@ -1197,7 +1407,7 @@
           <a:p>
             <a:fld id="{7699FA68-DB62-46A7-B7A2-6899EC356C1C}" type="slidenum">
               <a:rPr lang="en-GB" smtClean="0"/>
-              <a:t>6</a:t>
+              <a:t>5</a:t>
             </a:fld>
             <a:endParaRPr lang="en-GB"/>
           </a:p>
@@ -1206,7 +1416,7 @@
     </p:spTree>
     <p:extLst>
       <p:ext uri="{BB962C8B-B14F-4D97-AF65-F5344CB8AC3E}">
-        <p14:creationId xmlns:p14="http://schemas.microsoft.com/office/powerpoint/2010/main" val="2728432096"/>
+        <p14:creationId xmlns:p14="http://schemas.microsoft.com/office/powerpoint/2010/main" val="3238342060"/>
       </p:ext>
     </p:extLst>
   </p:cSld>
@@ -1262,7 +1472,51 @@
           <a:p>
             <a:r>
               <a:rPr lang="nl-BE" dirty="0" smtClean="0"/>
-              <a:t>Bart</a:t>
+              <a:t>Stijn</a:t>
+            </a:r>
+          </a:p>
+          <a:p>
+            <a:endParaRPr lang="nl-BE" dirty="0" smtClean="0"/>
+          </a:p>
+          <a:p>
+            <a:r>
+              <a:rPr lang="nl-BE" dirty="0" err="1" smtClean="0"/>
+              <a:t>Arduino</a:t>
+            </a:r>
+            <a:endParaRPr lang="nl-BE" dirty="0" smtClean="0"/>
+          </a:p>
+          <a:p>
+            <a:r>
+              <a:rPr lang="nl-BE" dirty="0" smtClean="0"/>
+              <a:t>	sensor</a:t>
+            </a:r>
+            <a:r>
+              <a:rPr lang="nl-BE" baseline="0" dirty="0" smtClean="0"/>
+              <a:t> node</a:t>
+            </a:r>
+          </a:p>
+          <a:p>
+            <a:r>
+              <a:rPr lang="nl-BE" baseline="0" dirty="0" smtClean="0"/>
+              <a:t>	niet meer dan een </a:t>
+            </a:r>
+            <a:r>
+              <a:rPr lang="nl-BE" baseline="0" dirty="0" err="1" smtClean="0"/>
+              <a:t>slave</a:t>
+            </a:r>
+            <a:r>
+              <a:rPr lang="nl-BE" baseline="0" dirty="0" smtClean="0"/>
+              <a:t> in node netwerk</a:t>
+            </a:r>
+          </a:p>
+          <a:p>
+            <a:r>
+              <a:rPr lang="nl-BE" baseline="0" dirty="0" smtClean="0"/>
+              <a:t>	om x aantal tijd data naar </a:t>
+            </a:r>
+            <a:r>
+              <a:rPr lang="nl-BE" baseline="0" smtClean="0"/>
+              <a:t>master sturen</a:t>
             </a:r>
             <a:endParaRPr lang="en-GB" dirty="0"/>
           </a:p>
@@ -1285,7 +1539,7 @@
           <a:p>
             <a:fld id="{7699FA68-DB62-46A7-B7A2-6899EC356C1C}" type="slidenum">
               <a:rPr lang="en-GB" smtClean="0"/>
-              <a:t>9</a:t>
+              <a:t>6</a:t>
             </a:fld>
             <a:endParaRPr lang="en-GB"/>
           </a:p>
@@ -1294,7 +1548,7 @@
     </p:spTree>
     <p:extLst>
       <p:ext uri="{BB962C8B-B14F-4D97-AF65-F5344CB8AC3E}">
-        <p14:creationId xmlns:p14="http://schemas.microsoft.com/office/powerpoint/2010/main" val="245181706"/>
+        <p14:creationId xmlns:p14="http://schemas.microsoft.com/office/powerpoint/2010/main" val="2728432096"/>
       </p:ext>
     </p:extLst>
   </p:cSld>
@@ -1348,10 +1602,6 @@
           <a:bodyPr/>
           <a:lstStyle/>
           <a:p>
-            <a:r>
-              <a:rPr lang="nl-BE" dirty="0" smtClean="0"/>
-              <a:t>Arne </a:t>
-            </a:r>
             <a:endParaRPr lang="en-GB" dirty="0"/>
           </a:p>
         </p:txBody>
@@ -1373,7 +1623,7 @@
           <a:p>
             <a:fld id="{7699FA68-DB62-46A7-B7A2-6899EC356C1C}" type="slidenum">
               <a:rPr lang="en-GB" smtClean="0"/>
-              <a:t>11</a:t>
+              <a:t>7</a:t>
             </a:fld>
             <a:endParaRPr lang="en-GB"/>
           </a:p>
@@ -1382,7 +1632,179 @@
     </p:spTree>
     <p:extLst>
       <p:ext uri="{BB962C8B-B14F-4D97-AF65-F5344CB8AC3E}">
-        <p14:creationId xmlns:p14="http://schemas.microsoft.com/office/powerpoint/2010/main" val="4240462060"/>
+        <p14:creationId xmlns:p14="http://schemas.microsoft.com/office/powerpoint/2010/main" val="3039131632"/>
+      </p:ext>
+    </p:extLst>
+  </p:cSld>
+  <p:clrMapOvr>
+    <a:masterClrMapping/>
+  </p:clrMapOvr>
+</p:notes>
+</file>
+
+<file path=ppt/notesSlides/notesSlide8.xml><?xml version="1.0" encoding="utf-8"?>
+<p:notes xmlns:a="http://schemas.openxmlformats.org/drawingml/2006/main" xmlns:r="http://schemas.openxmlformats.org/officeDocument/2006/relationships" xmlns:p="http://schemas.openxmlformats.org/presentationml/2006/main">
+  <p:cSld>
+    <p:spTree>
+      <p:nvGrpSpPr>
+        <p:cNvPr id="1" name=""/>
+        <p:cNvGrpSpPr/>
+        <p:nvPr/>
+      </p:nvGrpSpPr>
+      <p:grpSpPr>
+        <a:xfrm>
+          <a:off x="0" y="0"/>
+          <a:ext cx="0" cy="0"/>
+          <a:chOff x="0" y="0"/>
+          <a:chExt cx="0" cy="0"/>
+        </a:xfrm>
+      </p:grpSpPr>
+      <p:sp>
+        <p:nvSpPr>
+          <p:cNvPr id="2" name="Tijdelijke aanduiding voor dia-afbeelding 1"/>
+          <p:cNvSpPr>
+            <a:spLocks noGrp="1" noRot="1" noChangeAspect="1"/>
+          </p:cNvSpPr>
+          <p:nvPr>
+            <p:ph type="sldImg"/>
+          </p:nvPr>
+        </p:nvSpPr>
+        <p:spPr/>
+      </p:sp>
+      <p:sp>
+        <p:nvSpPr>
+          <p:cNvPr id="3" name="Tijdelijke aanduiding voor notities 2"/>
+          <p:cNvSpPr>
+            <a:spLocks noGrp="1"/>
+          </p:cNvSpPr>
+          <p:nvPr>
+            <p:ph type="body" idx="1"/>
+          </p:nvPr>
+        </p:nvSpPr>
+        <p:spPr/>
+        <p:txBody>
+          <a:bodyPr/>
+          <a:lstStyle/>
+          <a:p>
+            <a:endParaRPr lang="nl-BE" dirty="0" smtClean="0"/>
+          </a:p>
+        </p:txBody>
+      </p:sp>
+      <p:sp>
+        <p:nvSpPr>
+          <p:cNvPr id="4" name="Tijdelijke aanduiding voor dianummer 3"/>
+          <p:cNvSpPr>
+            <a:spLocks noGrp="1"/>
+          </p:cNvSpPr>
+          <p:nvPr>
+            <p:ph type="sldNum" sz="quarter" idx="10"/>
+          </p:nvPr>
+        </p:nvSpPr>
+        <p:spPr/>
+        <p:txBody>
+          <a:bodyPr/>
+          <a:lstStyle/>
+          <a:p>
+            <a:fld id="{7699FA68-DB62-46A7-B7A2-6899EC356C1C}" type="slidenum">
+              <a:rPr lang="en-GB" smtClean="0"/>
+              <a:t>8</a:t>
+            </a:fld>
+            <a:endParaRPr lang="en-GB"/>
+          </a:p>
+        </p:txBody>
+      </p:sp>
+    </p:spTree>
+    <p:extLst>
+      <p:ext uri="{BB962C8B-B14F-4D97-AF65-F5344CB8AC3E}">
+        <p14:creationId xmlns:p14="http://schemas.microsoft.com/office/powerpoint/2010/main" val="1839025544"/>
+      </p:ext>
+    </p:extLst>
+  </p:cSld>
+  <p:clrMapOvr>
+    <a:masterClrMapping/>
+  </p:clrMapOvr>
+</p:notes>
+</file>
+
+<file path=ppt/notesSlides/notesSlide9.xml><?xml version="1.0" encoding="utf-8"?>
+<p:notes xmlns:a="http://schemas.openxmlformats.org/drawingml/2006/main" xmlns:r="http://schemas.openxmlformats.org/officeDocument/2006/relationships" xmlns:p="http://schemas.openxmlformats.org/presentationml/2006/main">
+  <p:cSld>
+    <p:spTree>
+      <p:nvGrpSpPr>
+        <p:cNvPr id="1" name=""/>
+        <p:cNvGrpSpPr/>
+        <p:nvPr/>
+      </p:nvGrpSpPr>
+      <p:grpSpPr>
+        <a:xfrm>
+          <a:off x="0" y="0"/>
+          <a:ext cx="0" cy="0"/>
+          <a:chOff x="0" y="0"/>
+          <a:chExt cx="0" cy="0"/>
+        </a:xfrm>
+      </p:grpSpPr>
+      <p:sp>
+        <p:nvSpPr>
+          <p:cNvPr id="2" name="Tijdelijke aanduiding voor dia-afbeelding 1"/>
+          <p:cNvSpPr>
+            <a:spLocks noGrp="1" noRot="1" noChangeAspect="1"/>
+          </p:cNvSpPr>
+          <p:nvPr>
+            <p:ph type="sldImg"/>
+          </p:nvPr>
+        </p:nvSpPr>
+        <p:spPr/>
+      </p:sp>
+      <p:sp>
+        <p:nvSpPr>
+          <p:cNvPr id="3" name="Tijdelijke aanduiding voor notities 2"/>
+          <p:cNvSpPr>
+            <a:spLocks noGrp="1"/>
+          </p:cNvSpPr>
+          <p:nvPr>
+            <p:ph type="body" idx="1"/>
+          </p:nvPr>
+        </p:nvSpPr>
+        <p:spPr/>
+        <p:txBody>
+          <a:bodyPr/>
+          <a:lstStyle/>
+          <a:p>
+            <a:r>
+              <a:rPr lang="nl-BE" dirty="0" smtClean="0"/>
+              <a:t>Bart</a:t>
+            </a:r>
+            <a:endParaRPr lang="en-GB" dirty="0"/>
+          </a:p>
+        </p:txBody>
+      </p:sp>
+      <p:sp>
+        <p:nvSpPr>
+          <p:cNvPr id="4" name="Tijdelijke aanduiding voor dianummer 3"/>
+          <p:cNvSpPr>
+            <a:spLocks noGrp="1"/>
+          </p:cNvSpPr>
+          <p:nvPr>
+            <p:ph type="sldNum" sz="quarter" idx="10"/>
+          </p:nvPr>
+        </p:nvSpPr>
+        <p:spPr/>
+        <p:txBody>
+          <a:bodyPr/>
+          <a:lstStyle/>
+          <a:p>
+            <a:fld id="{7699FA68-DB62-46A7-B7A2-6899EC356C1C}" type="slidenum">
+              <a:rPr lang="en-GB" smtClean="0"/>
+              <a:t>9</a:t>
+            </a:fld>
+            <a:endParaRPr lang="en-GB"/>
+          </a:p>
+        </p:txBody>
+      </p:sp>
+    </p:spTree>
+    <p:extLst>
+      <p:ext uri="{BB962C8B-B14F-4D97-AF65-F5344CB8AC3E}">
+        <p14:creationId xmlns:p14="http://schemas.microsoft.com/office/powerpoint/2010/main" val="245181706"/>
       </p:ext>
     </p:extLst>
   </p:cSld>
@@ -1487,7 +1909,7 @@
           <a:effectLst/>
           <a:extLst>
             <a:ext uri="{91240B29-F687-4f45-9708-019B960494DF}">
-              <a14:hiddenLine xmlns="" xmlns:a14="http://schemas.microsoft.com/office/drawing/2010/main" w="9525">
+              <a14:hiddenLine xmlns:a14="http://schemas.microsoft.com/office/drawing/2010/main" xmlns="" w="9525">
                 <a:solidFill>
                   <a:srgbClr val="000000"/>
                 </a:solidFill>
@@ -2997,7 +3419,7 @@
           <a:ln/>
           <a:extLst>
             <a:ext uri="{91240B29-F687-4f45-9708-019B960494DF}">
-              <a14:hiddenLine xmlns="" xmlns:a14="http://schemas.microsoft.com/office/drawing/2010/main" w="9525">
+              <a14:hiddenLine xmlns:a14="http://schemas.microsoft.com/office/drawing/2010/main" xmlns="" w="9525">
                 <a:solidFill>
                   <a:srgbClr val="000000"/>
                 </a:solidFill>
@@ -3269,7 +3691,7 @@
           <a:ln/>
           <a:extLst>
             <a:ext uri="{91240B29-F687-4f45-9708-019B960494DF}">
-              <a14:hiddenLine xmlns="" xmlns:a14="http://schemas.microsoft.com/office/drawing/2010/main" w="9525">
+              <a14:hiddenLine xmlns:a14="http://schemas.microsoft.com/office/drawing/2010/main" xmlns="" w="9525">
                 <a:solidFill>
                   <a:srgbClr val="000000"/>
                 </a:solidFill>
@@ -3549,7 +3971,7 @@
           <a:ln/>
           <a:extLst>
             <a:ext uri="{91240B29-F687-4f45-9708-019B960494DF}">
-              <a14:hiddenLine xmlns="" xmlns:a14="http://schemas.microsoft.com/office/drawing/2010/main" w="9525">
+              <a14:hiddenLine xmlns:a14="http://schemas.microsoft.com/office/drawing/2010/main" xmlns="" w="9525">
                 <a:solidFill>
                   <a:srgbClr val="000000"/>
                 </a:solidFill>
@@ -4169,7 +4591,7 @@
           <a:ln/>
           <a:extLst>
             <a:ext uri="{91240B29-F687-4f45-9708-019B960494DF}">
-              <a14:hiddenLine xmlns="" xmlns:a14="http://schemas.microsoft.com/office/drawing/2010/main" w="9525">
+              <a14:hiddenLine xmlns:a14="http://schemas.microsoft.com/office/drawing/2010/main" xmlns="" w="9525">
                 <a:solidFill>
                   <a:srgbClr val="000000"/>
                 </a:solidFill>
@@ -4505,7 +4927,7 @@
           <a:ln/>
           <a:extLst>
             <a:ext uri="{91240B29-F687-4f45-9708-019B960494DF}">
-              <a14:hiddenLine xmlns="" xmlns:a14="http://schemas.microsoft.com/office/drawing/2010/main" w="9525">
+              <a14:hiddenLine xmlns:a14="http://schemas.microsoft.com/office/drawing/2010/main" xmlns="" w="9525">
                 <a:solidFill>
                   <a:srgbClr val="000000"/>
                 </a:solidFill>
@@ -4979,7 +5401,7 @@
           <a:ln/>
           <a:extLst>
             <a:ext uri="{91240B29-F687-4f45-9708-019B960494DF}">
-              <a14:hiddenLine xmlns="" xmlns:a14="http://schemas.microsoft.com/office/drawing/2010/main" w="9525">
+              <a14:hiddenLine xmlns:a14="http://schemas.microsoft.com/office/drawing/2010/main" xmlns="" w="9525">
                 <a:solidFill>
                   <a:srgbClr val="000000"/>
                 </a:solidFill>
@@ -5402,7 +5824,7 @@
           <a:ln/>
           <a:extLst>
             <a:ext uri="{91240B29-F687-4f45-9708-019B960494DF}">
-              <a14:hiddenLine xmlns="" xmlns:a14="http://schemas.microsoft.com/office/drawing/2010/main" w="9525">
+              <a14:hiddenLine xmlns:a14="http://schemas.microsoft.com/office/drawing/2010/main" xmlns="" w="9525">
                 <a:solidFill>
                   <a:srgbClr val="000000"/>
                 </a:solidFill>
@@ -6658,9 +7080,16 @@
             <p:ph type="subTitle" idx="1"/>
           </p:nvPr>
         </p:nvSpPr>
-        <p:spPr/>
-        <p:txBody>
-          <a:bodyPr/>
+        <p:spPr>
+          <a:xfrm>
+            <a:off x="810001" y="5280846"/>
+            <a:ext cx="10572000" cy="883979"/>
+          </a:xfrm>
+        </p:spPr>
+        <p:txBody>
+          <a:bodyPr>
+            <a:normAutofit/>
+          </a:bodyPr>
           <a:lstStyle/>
           <a:p>
             <a:r>
@@ -6669,7 +7098,25 @@
             </a:r>
             <a:r>
               <a:rPr lang="nl-BE" dirty="0" smtClean="0"/>
-              <a:t> Time</a:t>
+              <a:t> </a:t>
+            </a:r>
+            <a:r>
+              <a:rPr lang="nl-BE" dirty="0" smtClean="0"/>
+              <a:t>Time</a:t>
+            </a:r>
+          </a:p>
+          <a:p>
+            <a:r>
+              <a:rPr lang="nl-BE" dirty="0" smtClean="0"/>
+              <a:t>Bart </a:t>
+            </a:r>
+            <a:r>
+              <a:rPr lang="nl-BE" dirty="0" err="1" smtClean="0"/>
+              <a:t>Kerstens</a:t>
+            </a:r>
+            <a:r>
+              <a:rPr lang="nl-BE" dirty="0" smtClean="0"/>
+              <a:t>, Stijn Schrauwen, Arne Schoonvliet &amp; Brecht Carlier</a:t>
             </a:r>
             <a:endParaRPr lang="en-GB" dirty="0"/>
           </a:p>
@@ -6746,18 +7193,31 @@
           </p:nvPr>
         </p:nvPicPr>
         <p:blipFill rotWithShape="1">
-          <a:blip r:embed="rId2"/>
-          <a:srcRect l="-1" r="29769" b="21257"/>
+          <a:blip r:embed="rId3"/>
+          <a:srcRect l="-1" r="29769" b="21934"/>
           <a:stretch/>
         </p:blipFill>
         <p:spPr>
           <a:xfrm>
             <a:off x="3825521" y="2654301"/>
-            <a:ext cx="4540956" cy="2863849"/>
+            <a:ext cx="4540956" cy="2839243"/>
           </a:xfrm>
-          <a:prstGeom prst="rect">
-            <a:avLst/>
+          <a:prstGeom prst="roundRect">
+            <a:avLst>
+              <a:gd name="adj" fmla="val 8594"/>
+            </a:avLst>
           </a:prstGeom>
+          <a:solidFill>
+            <a:srgbClr val="FFFFFF">
+              <a:shade val="85000"/>
+            </a:srgbClr>
+          </a:solidFill>
+          <a:ln>
+            <a:noFill/>
+          </a:ln>
+          <a:effectLst>
+            <a:reflection blurRad="12700" stA="38000" endPos="28000" dist="5000" dir="5400000" sy="-100000" algn="bl" rotWithShape="0"/>
+          </a:effectLst>
         </p:spPr>
       </p:pic>
     </p:spTree>
@@ -6770,6 +7230,92 @@
   <p:clrMapOvr>
     <a:masterClrMapping/>
   </p:clrMapOvr>
+  <p:timing>
+    <p:tnLst>
+      <p:par>
+        <p:cTn id="1" dur="indefinite" restart="never" nodeType="tmRoot">
+          <p:childTnLst>
+            <p:seq concurrent="1" nextAc="seek">
+              <p:cTn id="2" dur="indefinite" nodeType="mainSeq">
+                <p:childTnLst>
+                  <p:par>
+                    <p:cTn id="3" fill="hold">
+                      <p:stCondLst>
+                        <p:cond delay="indefinite"/>
+                        <p:cond evt="onBegin" delay="0">
+                          <p:tn val="2"/>
+                        </p:cond>
+                      </p:stCondLst>
+                      <p:childTnLst>
+                        <p:par>
+                          <p:cTn id="4" fill="hold">
+                            <p:stCondLst>
+                              <p:cond delay="0"/>
+                            </p:stCondLst>
+                            <p:childTnLst>
+                              <p:par>
+                                <p:cTn id="5" presetID="16" presetClass="entr" presetSubtype="21" fill="hold" nodeType="withEffect">
+                                  <p:stCondLst>
+                                    <p:cond delay="0"/>
+                                  </p:stCondLst>
+                                  <p:childTnLst>
+                                    <p:set>
+                                      <p:cBhvr>
+                                        <p:cTn id="6" dur="1" fill="hold">
+                                          <p:stCondLst>
+                                            <p:cond delay="0"/>
+                                          </p:stCondLst>
+                                        </p:cTn>
+                                        <p:tgtEl>
+                                          <p:spTgt spid="4"/>
+                                        </p:tgtEl>
+                                        <p:attrNameLst>
+                                          <p:attrName>style.visibility</p:attrName>
+                                        </p:attrNameLst>
+                                      </p:cBhvr>
+                                      <p:to>
+                                        <p:strVal val="visible"/>
+                                      </p:to>
+                                    </p:set>
+                                    <p:animEffect transition="in" filter="barn(inVertical)">
+                                      <p:cBhvr>
+                                        <p:cTn id="7" dur="500"/>
+                                        <p:tgtEl>
+                                          <p:spTgt spid="4"/>
+                                        </p:tgtEl>
+                                      </p:cBhvr>
+                                    </p:animEffect>
+                                  </p:childTnLst>
+                                </p:cTn>
+                              </p:par>
+                            </p:childTnLst>
+                          </p:cTn>
+                        </p:par>
+                      </p:childTnLst>
+                    </p:cTn>
+                  </p:par>
+                </p:childTnLst>
+              </p:cTn>
+              <p:prevCondLst>
+                <p:cond evt="onPrev" delay="0">
+                  <p:tgtEl>
+                    <p:sldTgt/>
+                  </p:tgtEl>
+                </p:cond>
+              </p:prevCondLst>
+              <p:nextCondLst>
+                <p:cond evt="onNext" delay="0">
+                  <p:tgtEl>
+                    <p:sldTgt/>
+                  </p:tgtEl>
+                </p:cond>
+              </p:nextCondLst>
+            </p:seq>
+          </p:childTnLst>
+        </p:cTn>
+      </p:par>
+    </p:tnLst>
+  </p:timing>
 </p:sld>
 </file>
 
@@ -6858,6 +7404,13 @@
   <p:clrMapOvr>
     <a:masterClrMapping/>
   </p:clrMapOvr>
+  <p:timing>
+    <p:tnLst>
+      <p:par>
+        <p:cTn id="1" dur="indefinite" restart="never" nodeType="tmRoot"/>
+      </p:par>
+    </p:tnLst>
+  </p:timing>
 </p:sld>
 </file>
 
@@ -7175,6 +7728,13 @@
   <p:clrMapOvr>
     <a:masterClrMapping/>
   </p:clrMapOvr>
+  <p:timing>
+    <p:tnLst>
+      <p:par>
+        <p:cTn id="1" dur="indefinite" restart="never" nodeType="tmRoot"/>
+      </p:par>
+    </p:tnLst>
+  </p:timing>
 </p:sld>
 </file>
 
@@ -7235,16 +7795,82 @@
           <a:p>
             <a:r>
               <a:rPr lang="nl-BE" dirty="0" smtClean="0"/>
-              <a:t>RF24 zever </a:t>
+              <a:t>Vorige pogingen mislukt (</a:t>
             </a:r>
             <a:r>
               <a:rPr lang="nl-BE" dirty="0" err="1" smtClean="0"/>
-              <a:t>gezer</a:t>
-            </a:r>
-            <a:endParaRPr lang="en-GB" dirty="0"/>
-          </a:p>
-        </p:txBody>
-      </p:sp>
+              <a:t>Zigbee</a:t>
+            </a:r>
+            <a:r>
+              <a:rPr lang="nl-BE" dirty="0" smtClean="0"/>
+              <a:t>, ESP8266)</a:t>
+            </a:r>
+          </a:p>
+          <a:p>
+            <a:r>
+              <a:rPr lang="en-GB" dirty="0" smtClean="0"/>
+              <a:t>nRF24L01</a:t>
+            </a:r>
+            <a:endParaRPr lang="nl-BE" dirty="0" smtClean="0"/>
+          </a:p>
+          <a:p>
+            <a:r>
+              <a:rPr lang="nl-BE" dirty="0" smtClean="0"/>
+              <a:t>RF24</a:t>
+            </a:r>
+          </a:p>
+          <a:p>
+            <a:r>
+              <a:rPr lang="nl-BE" dirty="0" smtClean="0"/>
+              <a:t>Momenteel sternetwerk</a:t>
+            </a:r>
+          </a:p>
+          <a:p>
+            <a:endParaRPr lang="nl-BE" dirty="0" smtClean="0"/>
+          </a:p>
+        </p:txBody>
+      </p:sp>
+      <p:pic>
+        <p:nvPicPr>
+          <p:cNvPr id="1030" name="Picture 6" descr="http://www.fabidouille.com/wp-content/uploads/2014/12/RF1-e1420027286642.png"/>
+          <p:cNvPicPr>
+            <a:picLocks noChangeAspect="1" noChangeArrowheads="1"/>
+          </p:cNvPicPr>
+          <p:nvPr/>
+        </p:nvPicPr>
+        <p:blipFill>
+          <a:blip r:embed="rId3">
+            <a:extLst>
+              <a:ext uri="{28A0092B-C50C-407E-A947-70E740481C1C}">
+                <a14:useLocalDpi xmlns:a14="http://schemas.microsoft.com/office/drawing/2010/main" val="0"/>
+              </a:ext>
+            </a:extLst>
+          </a:blip>
+          <a:srcRect/>
+          <a:stretch>
+            <a:fillRect/>
+          </a:stretch>
+        </p:blipFill>
+        <p:spPr bwMode="auto">
+          <a:xfrm>
+            <a:off x="7377424" y="1417638"/>
+            <a:ext cx="4286250" cy="4867276"/>
+          </a:xfrm>
+          <a:prstGeom prst="rect">
+            <a:avLst/>
+          </a:prstGeom>
+          <a:noFill/>
+          <a:extLst>
+            <a:ext uri="{909E8E84-426E-40DD-AFC4-6F175D3DCCD1}">
+              <a14:hiddenFill xmlns:a14="http://schemas.microsoft.com/office/drawing/2010/main">
+                <a:solidFill>
+                  <a:srgbClr val="FFFFFF"/>
+                </a:solidFill>
+              </a14:hiddenFill>
+            </a:ext>
+          </a:extLst>
+        </p:spPr>
+      </p:pic>
     </p:spTree>
     <p:extLst>
       <p:ext uri="{BB962C8B-B14F-4D97-AF65-F5344CB8AC3E}">
@@ -7255,6 +7881,92 @@
   <p:clrMapOvr>
     <a:masterClrMapping/>
   </p:clrMapOvr>
+  <p:timing>
+    <p:tnLst>
+      <p:par>
+        <p:cTn id="1" dur="indefinite" restart="never" nodeType="tmRoot">
+          <p:childTnLst>
+            <p:seq concurrent="1" nextAc="seek">
+              <p:cTn id="2" dur="indefinite" nodeType="mainSeq">
+                <p:childTnLst>
+                  <p:par>
+                    <p:cTn id="3" fill="hold">
+                      <p:stCondLst>
+                        <p:cond delay="indefinite"/>
+                        <p:cond evt="onBegin" delay="0">
+                          <p:tn val="2"/>
+                        </p:cond>
+                      </p:stCondLst>
+                      <p:childTnLst>
+                        <p:par>
+                          <p:cTn id="4" fill="hold">
+                            <p:stCondLst>
+                              <p:cond delay="0"/>
+                            </p:stCondLst>
+                            <p:childTnLst>
+                              <p:par>
+                                <p:cTn id="5" presetID="10" presetClass="entr" presetSubtype="0" fill="hold" nodeType="withEffect">
+                                  <p:stCondLst>
+                                    <p:cond delay="0"/>
+                                  </p:stCondLst>
+                                  <p:childTnLst>
+                                    <p:set>
+                                      <p:cBhvr>
+                                        <p:cTn id="6" dur="1" fill="hold">
+                                          <p:stCondLst>
+                                            <p:cond delay="0"/>
+                                          </p:stCondLst>
+                                        </p:cTn>
+                                        <p:tgtEl>
+                                          <p:spTgt spid="1030"/>
+                                        </p:tgtEl>
+                                        <p:attrNameLst>
+                                          <p:attrName>style.visibility</p:attrName>
+                                        </p:attrNameLst>
+                                      </p:cBhvr>
+                                      <p:to>
+                                        <p:strVal val="visible"/>
+                                      </p:to>
+                                    </p:set>
+                                    <p:animEffect transition="in" filter="fade">
+                                      <p:cBhvr>
+                                        <p:cTn id="7" dur="500"/>
+                                        <p:tgtEl>
+                                          <p:spTgt spid="1030"/>
+                                        </p:tgtEl>
+                                      </p:cBhvr>
+                                    </p:animEffect>
+                                  </p:childTnLst>
+                                </p:cTn>
+                              </p:par>
+                            </p:childTnLst>
+                          </p:cTn>
+                        </p:par>
+                      </p:childTnLst>
+                    </p:cTn>
+                  </p:par>
+                </p:childTnLst>
+              </p:cTn>
+              <p:prevCondLst>
+                <p:cond evt="onPrev" delay="0">
+                  <p:tgtEl>
+                    <p:sldTgt/>
+                  </p:tgtEl>
+                </p:cond>
+              </p:prevCondLst>
+              <p:nextCondLst>
+                <p:cond evt="onNext" delay="0">
+                  <p:tgtEl>
+                    <p:sldTgt/>
+                  </p:tgtEl>
+                </p:cond>
+              </p:nextCondLst>
+            </p:seq>
+          </p:childTnLst>
+        </p:cTn>
+      </p:par>
+    </p:tnLst>
+  </p:timing>
 </p:sld>
 </file>
 
@@ -7313,6 +8025,12 @@
           <a:bodyPr/>
           <a:lstStyle/>
           <a:p>
+            <a:r>
+              <a:rPr lang="nl-BE" dirty="0" smtClean="0"/>
+              <a:t>Sensor node</a:t>
+            </a:r>
+          </a:p>
+          <a:p>
             <a:endParaRPr lang="en-GB" dirty="0"/>
           </a:p>
         </p:txBody>
@@ -7327,6 +8045,13 @@
   <p:clrMapOvr>
     <a:masterClrMapping/>
   </p:clrMapOvr>
+  <p:timing>
+    <p:tnLst>
+      <p:par>
+        <p:cTn id="1" dur="indefinite" restart="never" nodeType="tmRoot"/>
+      </p:par>
+    </p:tnLst>
+  </p:timing>
 </p:sld>
 </file>
 
@@ -7363,16 +8088,16 @@
           <a:lstStyle/>
           <a:p>
             <a:r>
-              <a:rPr lang="nl-BE" dirty="0" smtClean="0"/>
-              <a:t>	</a:t>
-            </a:r>
-            <a:r>
               <a:rPr lang="nl-BE" dirty="0" err="1" smtClean="0"/>
               <a:t>Raspberry</a:t>
             </a:r>
             <a:r>
               <a:rPr lang="nl-BE" dirty="0" smtClean="0"/>
-              <a:t> Pi 2</a:t>
+              <a:t> </a:t>
+            </a:r>
+            <a:r>
+              <a:rPr lang="nl-BE" dirty="0" smtClean="0"/>
+              <a:t>Pi 2</a:t>
             </a:r>
             <a:endParaRPr lang="en-GB" dirty="0"/>
           </a:p>
@@ -7393,7 +8118,27 @@
           <a:bodyPr/>
           <a:lstStyle/>
           <a:p>
-            <a:endParaRPr lang="en-GB"/>
+            <a:r>
+              <a:rPr lang="nl-BE" dirty="0" smtClean="0"/>
+              <a:t>Master node</a:t>
+            </a:r>
+          </a:p>
+          <a:p>
+            <a:r>
+              <a:rPr lang="nl-BE" dirty="0" smtClean="0"/>
+              <a:t>Backend</a:t>
+            </a:r>
+          </a:p>
+          <a:p>
+            <a:r>
+              <a:rPr lang="nl-BE" dirty="0" err="1" smtClean="0"/>
+              <a:t>Tail</a:t>
+            </a:r>
+            <a:r>
+              <a:rPr lang="nl-BE" dirty="0" smtClean="0"/>
+              <a:t> / Tee</a:t>
+            </a:r>
+            <a:endParaRPr lang="en-GB" dirty="0"/>
           </a:p>
         </p:txBody>
       </p:sp>
@@ -7407,6 +8152,13 @@
   <p:clrMapOvr>
     <a:masterClrMapping/>
   </p:clrMapOvr>
+  <p:timing>
+    <p:tnLst>
+      <p:par>
+        <p:cTn id="1" dur="indefinite" restart="never" nodeType="tmRoot"/>
+      </p:par>
+    </p:tnLst>
+  </p:timing>
 </p:sld>
 </file>
 
@@ -7465,7 +8217,34 @@
           <a:bodyPr/>
           <a:lstStyle/>
           <a:p>
-            <a:endParaRPr lang="en-GB"/>
+            <a:r>
+              <a:rPr lang="nl-BE" dirty="0" smtClean="0"/>
+              <a:t>Backend!?</a:t>
+            </a:r>
+          </a:p>
+          <a:p>
+            <a:r>
+              <a:rPr lang="nl-BE" dirty="0" smtClean="0"/>
+              <a:t>Verbind sensor data met front end (REST)</a:t>
+            </a:r>
+          </a:p>
+          <a:p>
+            <a:r>
+              <a:rPr lang="nl-BE" dirty="0" err="1" smtClean="0"/>
+              <a:t>SaveTime</a:t>
+            </a:r>
+            <a:r>
+              <a:rPr lang="nl-BE" dirty="0" smtClean="0"/>
+              <a:t>() en </a:t>
+            </a:r>
+            <a:r>
+              <a:rPr lang="nl-BE" dirty="0" err="1" smtClean="0"/>
+              <a:t>GetTime</a:t>
+            </a:r>
+            <a:r>
+              <a:rPr lang="nl-BE" dirty="0" smtClean="0"/>
+              <a:t>()</a:t>
+            </a:r>
           </a:p>
         </p:txBody>
       </p:sp>
@@ -7479,6 +8258,13 @@
   <p:clrMapOvr>
     <a:masterClrMapping/>
   </p:clrMapOvr>
+  <p:timing>
+    <p:tnLst>
+      <p:par>
+        <p:cTn id="1" dur="indefinite" restart="never" nodeType="tmRoot"/>
+      </p:par>
+    </p:tnLst>
+  </p:timing>
 </p:sld>
 </file>
 
@@ -7568,6 +8354,13 @@
   <p:clrMapOvr>
     <a:masterClrMapping/>
   </p:clrMapOvr>
+  <p:timing>
+    <p:tnLst>
+      <p:par>
+        <p:cTn id="1" dur="indefinite" restart="never" nodeType="tmRoot"/>
+      </p:par>
+    </p:tnLst>
+  </p:timing>
 </p:sld>
 </file>
 

--- a/Documentatie/IoT.pptx
+++ b/Documentatie/IoT.pptx
@@ -526,6 +526,29 @@
               <a:rPr lang="nl-BE" dirty="0" smtClean="0"/>
               <a:t>Bart</a:t>
             </a:r>
+          </a:p>
+          <a:p>
+            <a:endParaRPr lang="nl-BE" dirty="0" smtClean="0"/>
+          </a:p>
+          <a:p>
+            <a:r>
+              <a:rPr lang="nl-BE" dirty="0" smtClean="0"/>
+              <a:t>Goedemorgen, mijn collega's en ik gaan u een presentatie geven over ons project </a:t>
+            </a:r>
+            <a:r>
+              <a:rPr lang="nl-BE" dirty="0" err="1" smtClean="0"/>
+              <a:t>Quit</a:t>
+            </a:r>
+            <a:r>
+              <a:rPr lang="nl-BE" dirty="0" smtClean="0"/>
+              <a:t> time.</a:t>
+            </a:r>
+          </a:p>
+          <a:p>
+            <a:r>
+              <a:rPr lang="nl-BE" dirty="0" smtClean="0"/>
+              <a:t>Veel luisterplezier en demo op het einde. </a:t>
+            </a:r>
             <a:endParaRPr lang="en-GB" dirty="0"/>
           </a:p>
         </p:txBody>
@@ -1771,9 +1794,184 @@
           <a:lstStyle/>
           <a:p>
             <a:r>
+              <a:rPr lang="nl-BE" smtClean="0"/>
+              <a:t> Bart</a:t>
+            </a:r>
+          </a:p>
+          <a:p>
+            <a:endParaRPr lang="nl-BE" dirty="0" smtClean="0"/>
+          </a:p>
+          <a:p>
+            <a:r>
               <a:rPr lang="nl-BE" dirty="0" smtClean="0"/>
-              <a:t>Bart</a:t>
-            </a:r>
+              <a:t>Om de </a:t>
+            </a:r>
+            <a:r>
+              <a:rPr lang="nl-BE" dirty="0" err="1" smtClean="0"/>
+              <a:t>heatmap</a:t>
+            </a:r>
+            <a:r>
+              <a:rPr lang="nl-BE" dirty="0" smtClean="0"/>
+              <a:t> te visualiseren heb ik gebruik gemaakt van een javascript </a:t>
+            </a:r>
+            <a:r>
+              <a:rPr lang="nl-BE" dirty="0" err="1" smtClean="0"/>
+              <a:t>libray</a:t>
+            </a:r>
+            <a:r>
+              <a:rPr lang="nl-BE" dirty="0" smtClean="0"/>
+              <a:t> genaamd heatmap.js. </a:t>
+            </a:r>
+          </a:p>
+          <a:p>
+            <a:r>
+              <a:rPr lang="nl-BE" dirty="0" smtClean="0"/>
+              <a:t>In onze html stellen we een afbeelding van </a:t>
+            </a:r>
+            <a:r>
+              <a:rPr lang="nl-BE" dirty="0" err="1" smtClean="0"/>
+              <a:t>van</a:t>
+            </a:r>
+            <a:r>
+              <a:rPr lang="nl-BE" dirty="0" smtClean="0"/>
+              <a:t> een bepaalde grootte. Hierover komt de </a:t>
+            </a:r>
+            <a:r>
+              <a:rPr lang="nl-BE" dirty="0" err="1" smtClean="0"/>
+              <a:t>heatmap</a:t>
+            </a:r>
+            <a:r>
+              <a:rPr lang="nl-BE" dirty="0" smtClean="0"/>
+              <a:t> terecht met dezelfde grootte als de html afbeelding.</a:t>
+            </a:r>
+          </a:p>
+          <a:p>
+            <a:endParaRPr lang="nl-BE" dirty="0" smtClean="0"/>
+          </a:p>
+          <a:p>
+            <a:r>
+              <a:rPr lang="nl-BE" dirty="0" smtClean="0"/>
+              <a:t>Eerst hebben we de sensor objecten in het </a:t>
+            </a:r>
+            <a:r>
+              <a:rPr lang="nl-BE" dirty="0" err="1" smtClean="0"/>
+              <a:t>preogramma</a:t>
+            </a:r>
+            <a:r>
+              <a:rPr lang="nl-BE" dirty="0" smtClean="0"/>
+              <a:t> gestoken met een ID, x en y. Deze hebben ook een </a:t>
+            </a:r>
+            <a:r>
+              <a:rPr lang="nl-BE" dirty="0" err="1" smtClean="0"/>
+              <a:t>value</a:t>
+            </a:r>
+            <a:r>
+              <a:rPr lang="nl-BE" dirty="0" smtClean="0"/>
+              <a:t>.</a:t>
+            </a:r>
+          </a:p>
+          <a:p>
+            <a:r>
+              <a:rPr lang="nl-BE" dirty="0" smtClean="0"/>
+              <a:t>Deze </a:t>
+            </a:r>
+            <a:r>
+              <a:rPr lang="nl-BE" dirty="0" err="1" smtClean="0"/>
+              <a:t>value</a:t>
+            </a:r>
+            <a:r>
+              <a:rPr lang="nl-BE" dirty="0" smtClean="0"/>
+              <a:t> halen we binnen via </a:t>
+            </a:r>
+            <a:r>
+              <a:rPr lang="nl-BE" dirty="0" err="1" smtClean="0"/>
+              <a:t>eem</a:t>
+            </a:r>
+            <a:r>
+              <a:rPr lang="nl-BE" dirty="0" smtClean="0"/>
+              <a:t> </a:t>
+            </a:r>
+            <a:r>
+              <a:rPr lang="nl-BE" dirty="0" err="1" smtClean="0"/>
+              <a:t>ajax</a:t>
+            </a:r>
+            <a:r>
+              <a:rPr lang="nl-BE" dirty="0" smtClean="0"/>
+              <a:t> voor een </a:t>
+            </a:r>
+            <a:r>
+              <a:rPr lang="nl-BE" dirty="0" err="1" smtClean="0"/>
+              <a:t>jsonp</a:t>
+            </a:r>
+            <a:r>
+              <a:rPr lang="nl-BE" dirty="0" smtClean="0"/>
+              <a:t> call naar de server. We doen dit in </a:t>
+            </a:r>
+            <a:r>
+              <a:rPr lang="nl-BE" dirty="0" err="1" smtClean="0"/>
+              <a:t>jsonp</a:t>
+            </a:r>
+            <a:r>
+              <a:rPr lang="nl-BE" dirty="0" smtClean="0"/>
+              <a:t> formaat voor cross-site </a:t>
+            </a:r>
+            <a:r>
+              <a:rPr lang="nl-BE" dirty="0" err="1" smtClean="0"/>
+              <a:t>scripting</a:t>
+            </a:r>
+            <a:r>
+              <a:rPr lang="nl-BE" dirty="0" smtClean="0"/>
+              <a:t> beveiliging te vermijden.</a:t>
+            </a:r>
+          </a:p>
+          <a:p>
+            <a:r>
+              <a:rPr lang="nl-BE" dirty="0" smtClean="0"/>
+              <a:t>De </a:t>
+            </a:r>
+            <a:r>
+              <a:rPr lang="nl-BE" dirty="0" err="1" smtClean="0"/>
+              <a:t>jsonp</a:t>
+            </a:r>
+            <a:r>
+              <a:rPr lang="nl-BE" dirty="0" smtClean="0"/>
+              <a:t> file bevat een ID en een </a:t>
+            </a:r>
+            <a:r>
+              <a:rPr lang="nl-BE" dirty="0" err="1" smtClean="0"/>
+              <a:t>value</a:t>
+            </a:r>
+            <a:r>
+              <a:rPr lang="nl-BE" dirty="0" smtClean="0"/>
+              <a:t>.</a:t>
+            </a:r>
+          </a:p>
+          <a:p>
+            <a:endParaRPr lang="nl-BE" dirty="0" smtClean="0"/>
+          </a:p>
+          <a:p>
+            <a:r>
+              <a:rPr lang="nl-BE" dirty="0" smtClean="0"/>
+              <a:t>Afhankelijk van de ID kunnen we de </a:t>
+            </a:r>
+            <a:r>
+              <a:rPr lang="nl-BE" dirty="0" err="1" smtClean="0"/>
+              <a:t>jusite</a:t>
+            </a:r>
+            <a:r>
+              <a:rPr lang="nl-BE" dirty="0" smtClean="0"/>
+              <a:t> </a:t>
+            </a:r>
+            <a:r>
+              <a:rPr lang="nl-BE" dirty="0" err="1" smtClean="0"/>
+              <a:t>value</a:t>
+            </a:r>
+            <a:r>
+              <a:rPr lang="nl-BE" dirty="0" smtClean="0"/>
+              <a:t> aan de correcte sensor kopellen.</a:t>
+            </a:r>
+          </a:p>
+          <a:p>
             <a:endParaRPr lang="en-GB" dirty="0"/>
           </a:p>
         </p:txBody>
@@ -1909,7 +2107,7 @@
           <a:effectLst/>
           <a:extLst>
             <a:ext uri="{91240B29-F687-4f45-9708-019B960494DF}">
-              <a14:hiddenLine xmlns:a14="http://schemas.microsoft.com/office/drawing/2010/main" xmlns="" w="9525">
+              <a14:hiddenLine xmlns="" xmlns:a14="http://schemas.microsoft.com/office/drawing/2010/main" w="9525">
                 <a:solidFill>
                   <a:srgbClr val="000000"/>
                 </a:solidFill>
@@ -3419,7 +3617,7 @@
           <a:ln/>
           <a:extLst>
             <a:ext uri="{91240B29-F687-4f45-9708-019B960494DF}">
-              <a14:hiddenLine xmlns:a14="http://schemas.microsoft.com/office/drawing/2010/main" xmlns="" w="9525">
+              <a14:hiddenLine xmlns="" xmlns:a14="http://schemas.microsoft.com/office/drawing/2010/main" w="9525">
                 <a:solidFill>
                   <a:srgbClr val="000000"/>
                 </a:solidFill>
@@ -3691,7 +3889,7 @@
           <a:ln/>
           <a:extLst>
             <a:ext uri="{91240B29-F687-4f45-9708-019B960494DF}">
-              <a14:hiddenLine xmlns:a14="http://schemas.microsoft.com/office/drawing/2010/main" xmlns="" w="9525">
+              <a14:hiddenLine xmlns="" xmlns:a14="http://schemas.microsoft.com/office/drawing/2010/main" w="9525">
                 <a:solidFill>
                   <a:srgbClr val="000000"/>
                 </a:solidFill>
@@ -3971,7 +4169,7 @@
           <a:ln/>
           <a:extLst>
             <a:ext uri="{91240B29-F687-4f45-9708-019B960494DF}">
-              <a14:hiddenLine xmlns:a14="http://schemas.microsoft.com/office/drawing/2010/main" xmlns="" w="9525">
+              <a14:hiddenLine xmlns="" xmlns:a14="http://schemas.microsoft.com/office/drawing/2010/main" w="9525">
                 <a:solidFill>
                   <a:srgbClr val="000000"/>
                 </a:solidFill>
@@ -4591,7 +4789,7 @@
           <a:ln/>
           <a:extLst>
             <a:ext uri="{91240B29-F687-4f45-9708-019B960494DF}">
-              <a14:hiddenLine xmlns:a14="http://schemas.microsoft.com/office/drawing/2010/main" xmlns="" w="9525">
+              <a14:hiddenLine xmlns="" xmlns:a14="http://schemas.microsoft.com/office/drawing/2010/main" w="9525">
                 <a:solidFill>
                   <a:srgbClr val="000000"/>
                 </a:solidFill>
@@ -4927,7 +5125,7 @@
           <a:ln/>
           <a:extLst>
             <a:ext uri="{91240B29-F687-4f45-9708-019B960494DF}">
-              <a14:hiddenLine xmlns:a14="http://schemas.microsoft.com/office/drawing/2010/main" xmlns="" w="9525">
+              <a14:hiddenLine xmlns="" xmlns:a14="http://schemas.microsoft.com/office/drawing/2010/main" w="9525">
                 <a:solidFill>
                   <a:srgbClr val="000000"/>
                 </a:solidFill>
@@ -5401,7 +5599,7 @@
           <a:ln/>
           <a:extLst>
             <a:ext uri="{91240B29-F687-4f45-9708-019B960494DF}">
-              <a14:hiddenLine xmlns:a14="http://schemas.microsoft.com/office/drawing/2010/main" xmlns="" w="9525">
+              <a14:hiddenLine xmlns="" xmlns:a14="http://schemas.microsoft.com/office/drawing/2010/main" w="9525">
                 <a:solidFill>
                   <a:srgbClr val="000000"/>
                 </a:solidFill>
@@ -5824,7 +6022,7 @@
           <a:ln/>
           <a:extLst>
             <a:ext uri="{91240B29-F687-4f45-9708-019B960494DF}">
-              <a14:hiddenLine xmlns:a14="http://schemas.microsoft.com/office/drawing/2010/main" xmlns="" w="9525">
+              <a14:hiddenLine xmlns="" xmlns:a14="http://schemas.microsoft.com/office/drawing/2010/main" w="9525">
                 <a:solidFill>
                   <a:srgbClr val="000000"/>
                 </a:solidFill>
@@ -7098,11 +7296,7 @@
             </a:r>
             <a:r>
               <a:rPr lang="nl-BE" dirty="0" smtClean="0"/>
-              <a:t> </a:t>
-            </a:r>
-            <a:r>
-              <a:rPr lang="nl-BE" dirty="0" smtClean="0"/>
-              <a:t>Time</a:t>
+              <a:t> Time</a:t>
             </a:r>
           </a:p>
           <a:p>
@@ -8093,11 +8287,7 @@
             </a:r>
             <a:r>
               <a:rPr lang="nl-BE" dirty="0" smtClean="0"/>
-              <a:t> </a:t>
-            </a:r>
-            <a:r>
-              <a:rPr lang="nl-BE" dirty="0" smtClean="0"/>
-              <a:t>Pi 2</a:t>
+              <a:t> Pi 2</a:t>
             </a:r>
             <a:endParaRPr lang="en-GB" dirty="0"/>
           </a:p>

--- a/Documentatie/IoT.pptx
+++ b/Documentatie/IoT.pptx
@@ -526,29 +526,6 @@
               <a:rPr lang="nl-BE" dirty="0" smtClean="0"/>
               <a:t>Bart</a:t>
             </a:r>
-          </a:p>
-          <a:p>
-            <a:endParaRPr lang="nl-BE" dirty="0" smtClean="0"/>
-          </a:p>
-          <a:p>
-            <a:r>
-              <a:rPr lang="nl-BE" dirty="0" smtClean="0"/>
-              <a:t>Goedemorgen, mijn collega's en ik gaan u een presentatie geven over ons project </a:t>
-            </a:r>
-            <a:r>
-              <a:rPr lang="nl-BE" dirty="0" err="1" smtClean="0"/>
-              <a:t>Quit</a:t>
-            </a:r>
-            <a:r>
-              <a:rPr lang="nl-BE" dirty="0" smtClean="0"/>
-              <a:t> time.</a:t>
-            </a:r>
-          </a:p>
-          <a:p>
-            <a:r>
-              <a:rPr lang="nl-BE" dirty="0" smtClean="0"/>
-              <a:t>Veel luisterplezier en demo op het einde. </a:t>
-            </a:r>
             <a:endParaRPr lang="en-GB" dirty="0"/>
           </a:p>
         </p:txBody>
@@ -1794,184 +1771,9 @@
           <a:lstStyle/>
           <a:p>
             <a:r>
-              <a:rPr lang="nl-BE" smtClean="0"/>
-              <a:t> Bart</a:t>
-            </a:r>
-          </a:p>
-          <a:p>
-            <a:endParaRPr lang="nl-BE" dirty="0" smtClean="0"/>
-          </a:p>
-          <a:p>
-            <a:r>
               <a:rPr lang="nl-BE" dirty="0" smtClean="0"/>
-              <a:t>Om de </a:t>
-            </a:r>
-            <a:r>
-              <a:rPr lang="nl-BE" dirty="0" err="1" smtClean="0"/>
-              <a:t>heatmap</a:t>
-            </a:r>
-            <a:r>
-              <a:rPr lang="nl-BE" dirty="0" smtClean="0"/>
-              <a:t> te visualiseren heb ik gebruik gemaakt van een javascript </a:t>
-            </a:r>
-            <a:r>
-              <a:rPr lang="nl-BE" dirty="0" err="1" smtClean="0"/>
-              <a:t>libray</a:t>
-            </a:r>
-            <a:r>
-              <a:rPr lang="nl-BE" dirty="0" smtClean="0"/>
-              <a:t> genaamd heatmap.js. </a:t>
-            </a:r>
-          </a:p>
-          <a:p>
-            <a:r>
-              <a:rPr lang="nl-BE" dirty="0" smtClean="0"/>
-              <a:t>In onze html stellen we een afbeelding van </a:t>
-            </a:r>
-            <a:r>
-              <a:rPr lang="nl-BE" dirty="0" err="1" smtClean="0"/>
-              <a:t>van</a:t>
-            </a:r>
-            <a:r>
-              <a:rPr lang="nl-BE" dirty="0" smtClean="0"/>
-              <a:t> een bepaalde grootte. Hierover komt de </a:t>
-            </a:r>
-            <a:r>
-              <a:rPr lang="nl-BE" dirty="0" err="1" smtClean="0"/>
-              <a:t>heatmap</a:t>
-            </a:r>
-            <a:r>
-              <a:rPr lang="nl-BE" dirty="0" smtClean="0"/>
-              <a:t> terecht met dezelfde grootte als de html afbeelding.</a:t>
-            </a:r>
-          </a:p>
-          <a:p>
-            <a:endParaRPr lang="nl-BE" dirty="0" smtClean="0"/>
-          </a:p>
-          <a:p>
-            <a:r>
-              <a:rPr lang="nl-BE" dirty="0" smtClean="0"/>
-              <a:t>Eerst hebben we de sensor objecten in het </a:t>
-            </a:r>
-            <a:r>
-              <a:rPr lang="nl-BE" dirty="0" err="1" smtClean="0"/>
-              <a:t>preogramma</a:t>
-            </a:r>
-            <a:r>
-              <a:rPr lang="nl-BE" dirty="0" smtClean="0"/>
-              <a:t> gestoken met een ID, x en y. Deze hebben ook een </a:t>
-            </a:r>
-            <a:r>
-              <a:rPr lang="nl-BE" dirty="0" err="1" smtClean="0"/>
-              <a:t>value</a:t>
-            </a:r>
-            <a:r>
-              <a:rPr lang="nl-BE" dirty="0" smtClean="0"/>
-              <a:t>.</a:t>
-            </a:r>
-          </a:p>
-          <a:p>
-            <a:r>
-              <a:rPr lang="nl-BE" dirty="0" smtClean="0"/>
-              <a:t>Deze </a:t>
-            </a:r>
-            <a:r>
-              <a:rPr lang="nl-BE" dirty="0" err="1" smtClean="0"/>
-              <a:t>value</a:t>
-            </a:r>
-            <a:r>
-              <a:rPr lang="nl-BE" dirty="0" smtClean="0"/>
-              <a:t> halen we binnen via </a:t>
-            </a:r>
-            <a:r>
-              <a:rPr lang="nl-BE" dirty="0" err="1" smtClean="0"/>
-              <a:t>eem</a:t>
-            </a:r>
-            <a:r>
-              <a:rPr lang="nl-BE" dirty="0" smtClean="0"/>
-              <a:t> </a:t>
-            </a:r>
-            <a:r>
-              <a:rPr lang="nl-BE" dirty="0" err="1" smtClean="0"/>
-              <a:t>ajax</a:t>
-            </a:r>
-            <a:r>
-              <a:rPr lang="nl-BE" dirty="0" smtClean="0"/>
-              <a:t> voor een </a:t>
-            </a:r>
-            <a:r>
-              <a:rPr lang="nl-BE" dirty="0" err="1" smtClean="0"/>
-              <a:t>jsonp</a:t>
-            </a:r>
-            <a:r>
-              <a:rPr lang="nl-BE" dirty="0" smtClean="0"/>
-              <a:t> call naar de server. We doen dit in </a:t>
-            </a:r>
-            <a:r>
-              <a:rPr lang="nl-BE" dirty="0" err="1" smtClean="0"/>
-              <a:t>jsonp</a:t>
-            </a:r>
-            <a:r>
-              <a:rPr lang="nl-BE" dirty="0" smtClean="0"/>
-              <a:t> formaat voor cross-site </a:t>
-            </a:r>
-            <a:r>
-              <a:rPr lang="nl-BE" dirty="0" err="1" smtClean="0"/>
-              <a:t>scripting</a:t>
-            </a:r>
-            <a:r>
-              <a:rPr lang="nl-BE" dirty="0" smtClean="0"/>
-              <a:t> beveiliging te vermijden.</a:t>
-            </a:r>
-          </a:p>
-          <a:p>
-            <a:r>
-              <a:rPr lang="nl-BE" dirty="0" smtClean="0"/>
-              <a:t>De </a:t>
-            </a:r>
-            <a:r>
-              <a:rPr lang="nl-BE" dirty="0" err="1" smtClean="0"/>
-              <a:t>jsonp</a:t>
-            </a:r>
-            <a:r>
-              <a:rPr lang="nl-BE" dirty="0" smtClean="0"/>
-              <a:t> file bevat een ID en een </a:t>
-            </a:r>
-            <a:r>
-              <a:rPr lang="nl-BE" dirty="0" err="1" smtClean="0"/>
-              <a:t>value</a:t>
-            </a:r>
-            <a:r>
-              <a:rPr lang="nl-BE" dirty="0" smtClean="0"/>
-              <a:t>.</a:t>
-            </a:r>
-          </a:p>
-          <a:p>
-            <a:endParaRPr lang="nl-BE" dirty="0" smtClean="0"/>
-          </a:p>
-          <a:p>
-            <a:r>
-              <a:rPr lang="nl-BE" dirty="0" smtClean="0"/>
-              <a:t>Afhankelijk van de ID kunnen we de </a:t>
-            </a:r>
-            <a:r>
-              <a:rPr lang="nl-BE" dirty="0" err="1" smtClean="0"/>
-              <a:t>jusite</a:t>
-            </a:r>
-            <a:r>
-              <a:rPr lang="nl-BE" dirty="0" smtClean="0"/>
-              <a:t> </a:t>
-            </a:r>
-            <a:r>
-              <a:rPr lang="nl-BE" dirty="0" err="1" smtClean="0"/>
-              <a:t>value</a:t>
-            </a:r>
-            <a:r>
-              <a:rPr lang="nl-BE" dirty="0" smtClean="0"/>
-              <a:t> aan de correcte sensor kopellen.</a:t>
-            </a:r>
-          </a:p>
-          <a:p>
+              <a:t>Bart</a:t>
+            </a:r>
             <a:endParaRPr lang="en-GB" dirty="0"/>
           </a:p>
         </p:txBody>
@@ -2107,7 +1909,7 @@
           <a:effectLst/>
           <a:extLst>
             <a:ext uri="{91240B29-F687-4f45-9708-019B960494DF}">
-              <a14:hiddenLine xmlns="" xmlns:a14="http://schemas.microsoft.com/office/drawing/2010/main" w="9525">
+              <a14:hiddenLine xmlns:a14="http://schemas.microsoft.com/office/drawing/2010/main" xmlns="" w="9525">
                 <a:solidFill>
                   <a:srgbClr val="000000"/>
                 </a:solidFill>
@@ -3617,7 +3419,7 @@
           <a:ln/>
           <a:extLst>
             <a:ext uri="{91240B29-F687-4f45-9708-019B960494DF}">
-              <a14:hiddenLine xmlns="" xmlns:a14="http://schemas.microsoft.com/office/drawing/2010/main" w="9525">
+              <a14:hiddenLine xmlns:a14="http://schemas.microsoft.com/office/drawing/2010/main" xmlns="" w="9525">
                 <a:solidFill>
                   <a:srgbClr val="000000"/>
                 </a:solidFill>
@@ -3889,7 +3691,7 @@
           <a:ln/>
           <a:extLst>
             <a:ext uri="{91240B29-F687-4f45-9708-019B960494DF}">
-              <a14:hiddenLine xmlns="" xmlns:a14="http://schemas.microsoft.com/office/drawing/2010/main" w="9525">
+              <a14:hiddenLine xmlns:a14="http://schemas.microsoft.com/office/drawing/2010/main" xmlns="" w="9525">
                 <a:solidFill>
                   <a:srgbClr val="000000"/>
                 </a:solidFill>
@@ -4169,7 +3971,7 @@
           <a:ln/>
           <a:extLst>
             <a:ext uri="{91240B29-F687-4f45-9708-019B960494DF}">
-              <a14:hiddenLine xmlns="" xmlns:a14="http://schemas.microsoft.com/office/drawing/2010/main" w="9525">
+              <a14:hiddenLine xmlns:a14="http://schemas.microsoft.com/office/drawing/2010/main" xmlns="" w="9525">
                 <a:solidFill>
                   <a:srgbClr val="000000"/>
                 </a:solidFill>
@@ -4789,7 +4591,7 @@
           <a:ln/>
           <a:extLst>
             <a:ext uri="{91240B29-F687-4f45-9708-019B960494DF}">
-              <a14:hiddenLine xmlns="" xmlns:a14="http://schemas.microsoft.com/office/drawing/2010/main" w="9525">
+              <a14:hiddenLine xmlns:a14="http://schemas.microsoft.com/office/drawing/2010/main" xmlns="" w="9525">
                 <a:solidFill>
                   <a:srgbClr val="000000"/>
                 </a:solidFill>
@@ -5125,7 +4927,7 @@
           <a:ln/>
           <a:extLst>
             <a:ext uri="{91240B29-F687-4f45-9708-019B960494DF}">
-              <a14:hiddenLine xmlns="" xmlns:a14="http://schemas.microsoft.com/office/drawing/2010/main" w="9525">
+              <a14:hiddenLine xmlns:a14="http://schemas.microsoft.com/office/drawing/2010/main" xmlns="" w="9525">
                 <a:solidFill>
                   <a:srgbClr val="000000"/>
                 </a:solidFill>
@@ -5599,7 +5401,7 @@
           <a:ln/>
           <a:extLst>
             <a:ext uri="{91240B29-F687-4f45-9708-019B960494DF}">
-              <a14:hiddenLine xmlns="" xmlns:a14="http://schemas.microsoft.com/office/drawing/2010/main" w="9525">
+              <a14:hiddenLine xmlns:a14="http://schemas.microsoft.com/office/drawing/2010/main" xmlns="" w="9525">
                 <a:solidFill>
                   <a:srgbClr val="000000"/>
                 </a:solidFill>
@@ -6022,7 +5824,7 @@
           <a:ln/>
           <a:extLst>
             <a:ext uri="{91240B29-F687-4f45-9708-019B960494DF}">
-              <a14:hiddenLine xmlns="" xmlns:a14="http://schemas.microsoft.com/office/drawing/2010/main" w="9525">
+              <a14:hiddenLine xmlns:a14="http://schemas.microsoft.com/office/drawing/2010/main" xmlns="" w="9525">
                 <a:solidFill>
                   <a:srgbClr val="000000"/>
                 </a:solidFill>
@@ -8229,6 +8031,35 @@
           </a:p>
         </p:txBody>
       </p:sp>
+      <p:pic>
+        <p:nvPicPr>
+          <p:cNvPr id="4" name="Afbeelding 3"/>
+          <p:cNvPicPr>
+            <a:picLocks noChangeAspect="1"/>
+          </p:cNvPicPr>
+          <p:nvPr/>
+        </p:nvPicPr>
+        <p:blipFill rotWithShape="1">
+          <a:blip r:embed="rId3">
+            <a:extLst>
+              <a:ext uri="{28A0092B-C50C-407E-A947-70E740481C1C}">
+                <a14:useLocalDpi xmlns:a14="http://schemas.microsoft.com/office/drawing/2010/main" val="0"/>
+              </a:ext>
+            </a:extLst>
+          </a:blip>
+          <a:srcRect t="6720" r="3320" b="7773"/>
+          <a:stretch/>
+        </p:blipFill>
+        <p:spPr>
+          <a:xfrm>
+            <a:off x="5707627" y="3421626"/>
+            <a:ext cx="5869858" cy="2920181"/>
+          </a:xfrm>
+          <a:prstGeom prst="rect">
+            <a:avLst/>
+          </a:prstGeom>
+        </p:spPr>
+      </p:pic>
     </p:spTree>
     <p:extLst>
       <p:ext uri="{BB962C8B-B14F-4D97-AF65-F5344CB8AC3E}">
@@ -8534,6 +8365,35 @@
           </a:p>
         </p:txBody>
       </p:sp>
+      <p:pic>
+        <p:nvPicPr>
+          <p:cNvPr id="4" name="Afbeelding 3"/>
+          <p:cNvPicPr>
+            <a:picLocks noChangeAspect="1"/>
+          </p:cNvPicPr>
+          <p:nvPr/>
+        </p:nvPicPr>
+        <p:blipFill rotWithShape="1">
+          <a:blip r:embed="rId3">
+            <a:extLst>
+              <a:ext uri="{28A0092B-C50C-407E-A947-70E740481C1C}">
+                <a14:useLocalDpi xmlns:a14="http://schemas.microsoft.com/office/drawing/2010/main" val="0"/>
+              </a:ext>
+            </a:extLst>
+          </a:blip>
+          <a:srcRect t="6305" r="50524" b="30039"/>
+          <a:stretch/>
+        </p:blipFill>
+        <p:spPr>
+          <a:xfrm>
+            <a:off x="6975987" y="3025402"/>
+            <a:ext cx="4704735" cy="3404894"/>
+          </a:xfrm>
+          <a:prstGeom prst="rect">
+            <a:avLst/>
+          </a:prstGeom>
+        </p:spPr>
+      </p:pic>
     </p:spTree>
     <p:extLst>
       <p:ext uri="{BB962C8B-B14F-4D97-AF65-F5344CB8AC3E}">
